--- a/企画系資料/企画書.pptx
+++ b/企画系資料/企画書.pptx
@@ -9,9 +9,7 @@
     <p:sldId id="257" r:id="rId3"/>
     <p:sldId id="258" r:id="rId4"/>
     <p:sldId id="259" r:id="rId5"/>
-    <p:sldId id="263" r:id="rId6"/>
-    <p:sldId id="262" r:id="rId7"/>
-    <p:sldId id="264" r:id="rId8"/>
+    <p:sldId id="260" r:id="rId6"/>
   </p:sldIdLst>
   <p:sldSz cx="12192000" cy="6858000"/>
   <p:notesSz cx="6858000" cy="9144000"/>
@@ -3832,8 +3830,8 @@
         </p:nvSpPr>
         <p:spPr>
           <a:xfrm>
-            <a:off x="1110500" y="2644170"/>
-            <a:ext cx="9970999" cy="1569660"/>
+            <a:off x="3531837" y="2644170"/>
+            <a:ext cx="5128327" cy="1569660"/>
           </a:xfrm>
           <a:prstGeom prst="rect">
             <a:avLst/>
@@ -3848,7 +3846,7 @@
           <a:p>
             <a:pPr algn="ctr"/>
             <a:r>
-              <a:rPr kumimoji="1" lang="ja-JP" altLang="en-US" sz="9600" b="1" dirty="0">
+              <a:rPr lang="ja-JP" altLang="en-US" sz="9600" b="1" dirty="0">
                 <a:effectLst>
                   <a:outerShdw blurRad="38100" dist="38100" dir="2700000" algn="tl">
                     <a:srgbClr val="000000">
@@ -3859,8 +3857,19 @@
                 <a:latin typeface="HGP行書体" panose="03000600000000000000" pitchFamily="66" charset="-128"/>
                 <a:ea typeface="HGP行書体" panose="03000600000000000000" pitchFamily="66" charset="-128"/>
               </a:rPr>
-              <a:t>気持ちよくなりたい！</a:t>
-            </a:r>
+              <a:t>原点回帰</a:t>
+            </a:r>
+            <a:endParaRPr kumimoji="1" lang="ja-JP" altLang="en-US" sz="9600" b="1" dirty="0">
+              <a:effectLst>
+                <a:outerShdw blurRad="38100" dist="38100" dir="2700000" algn="tl">
+                  <a:srgbClr val="000000">
+                    <a:alpha val="43137"/>
+                  </a:srgbClr>
+                </a:outerShdw>
+              </a:effectLst>
+              <a:latin typeface="HGP行書体" panose="03000600000000000000" pitchFamily="66" charset="-128"/>
+              <a:ea typeface="HGP行書体" panose="03000600000000000000" pitchFamily="66" charset="-128"/>
+            </a:endParaRPr>
           </a:p>
         </p:txBody>
       </p:sp>
@@ -3997,7 +4006,7 @@
           <p:cNvPr id="2" name="タイトル 1">
             <a:extLst>
               <a:ext uri="{FF2B5EF4-FFF2-40B4-BE49-F238E27FC236}">
-                <a16:creationId xmlns:a16="http://schemas.microsoft.com/office/drawing/2014/main" id="{85120898-B079-4900-8669-18296B002E57}"/>
+                <a16:creationId xmlns:a16="http://schemas.microsoft.com/office/drawing/2014/main" id="{CE722F2A-AC63-4402-960A-CB97602159A0}"/>
               </a:ext>
             </a:extLst>
           </p:cNvPr>
@@ -4006,59 +4015,16 @@
           </p:cNvSpPr>
           <p:nvPr>
             <p:ph type="title"/>
-          </p:nvPr>
-        </p:nvSpPr>
-        <p:spPr/>
-        <p:txBody>
-          <a:bodyPr/>
-          <a:lstStyle/>
-          <a:p>
-            <a:r>
-              <a:rPr kumimoji="1" lang="ja-JP" altLang="en-US" b="1" dirty="0">
-                <a:solidFill>
-                  <a:srgbClr val="92D050"/>
-                </a:solidFill>
-                <a:effectLst>
-                  <a:outerShdw blurRad="38100" dist="38100" dir="2700000" algn="tl">
-                    <a:srgbClr val="000000">
-                      <a:alpha val="43137"/>
-                    </a:srgbClr>
-                  </a:outerShdw>
-                </a:effectLst>
-                <a:latin typeface="HGP行書体" panose="03000600000000000000" pitchFamily="66" charset="-128"/>
-                <a:ea typeface="HGP行書体" panose="03000600000000000000" pitchFamily="66" charset="-128"/>
-              </a:rPr>
-              <a:t>じゃあ気持ちいいって何？</a:t>
-            </a:r>
-          </a:p>
-        </p:txBody>
-      </p:sp>
-      <p:sp>
-        <p:nvSpPr>
-          <p:cNvPr id="3" name="コンテンツ プレースホルダー 2">
-            <a:extLst>
-              <a:ext uri="{FF2B5EF4-FFF2-40B4-BE49-F238E27FC236}">
-                <a16:creationId xmlns:a16="http://schemas.microsoft.com/office/drawing/2014/main" id="{CE2DB8A5-E09C-4997-A728-F489B873FB0C}"/>
-              </a:ext>
-            </a:extLst>
-          </p:cNvPr>
-          <p:cNvSpPr>
-            <a:spLocks noGrp="1"/>
-          </p:cNvSpPr>
-          <p:nvPr>
-            <p:ph idx="1"/>
           </p:nvPr>
         </p:nvSpPr>
         <p:spPr>
           <a:xfrm>
-            <a:off x="475010" y="4948719"/>
-            <a:ext cx="2570671" cy="456047"/>
+            <a:off x="838200" y="347540"/>
+            <a:ext cx="10515600" cy="1325563"/>
           </a:xfrm>
         </p:spPr>
         <p:txBody>
-          <a:bodyPr>
-            <a:normAutofit lnSpcReduction="10000"/>
-          </a:bodyPr>
+          <a:bodyPr/>
           <a:lstStyle/>
           <a:p>
             <a:r>
@@ -4066,1125 +4032,190 @@
                 <a:latin typeface="HGP行書体" panose="03000600000000000000" pitchFamily="66" charset="-128"/>
                 <a:ea typeface="HGP行書体" panose="03000600000000000000" pitchFamily="66" charset="-128"/>
               </a:rPr>
-              <a:t>派手な演出！</a:t>
-            </a:r>
-            <a:endParaRPr kumimoji="1" lang="en-US" altLang="ja-JP" dirty="0">
-              <a:latin typeface="HGP行書体" panose="03000600000000000000" pitchFamily="66" charset="-128"/>
-              <a:ea typeface="HGP行書体" panose="03000600000000000000" pitchFamily="66" charset="-128"/>
-            </a:endParaRPr>
-          </a:p>
-        </p:txBody>
-      </p:sp>
-      <p:sp>
-        <p:nvSpPr>
-          <p:cNvPr id="4" name="コンテンツ プレースホルダー 2">
-            <a:extLst>
-              <a:ext uri="{FF2B5EF4-FFF2-40B4-BE49-F238E27FC236}">
-                <a16:creationId xmlns:a16="http://schemas.microsoft.com/office/drawing/2014/main" id="{8BA1497A-C227-4551-86C7-83B549E9AEA5}"/>
-              </a:ext>
-            </a:extLst>
-          </p:cNvPr>
-          <p:cNvSpPr txBox="1">
-            <a:spLocks/>
-          </p:cNvSpPr>
+              <a:t>原点回帰とは？</a:t>
+            </a:r>
+          </a:p>
+        </p:txBody>
+      </p:sp>
+      <p:sp>
+        <p:nvSpPr>
+          <p:cNvPr id="4" name="テキスト ボックス 3">
+            <a:extLst>
+              <a:ext uri="{FF2B5EF4-FFF2-40B4-BE49-F238E27FC236}">
+                <a16:creationId xmlns:a16="http://schemas.microsoft.com/office/drawing/2014/main" id="{EFB0858D-B206-4915-9E70-F6BF255779A3}"/>
+              </a:ext>
+            </a:extLst>
+          </p:cNvPr>
+          <p:cNvSpPr txBox="1"/>
           <p:nvPr/>
         </p:nvSpPr>
         <p:spPr>
           <a:xfrm>
-            <a:off x="475010" y="2517222"/>
-            <a:ext cx="2570671" cy="456047"/>
-          </a:xfrm>
-          <a:prstGeom prst="rect">
-            <a:avLst/>
-          </a:prstGeom>
-        </p:spPr>
-        <p:txBody>
-          <a:bodyPr vert="horz" lIns="91440" tIns="45720" rIns="91440" bIns="45720" rtlCol="0">
-            <a:noAutofit/>
-          </a:bodyPr>
-          <a:lstStyle>
-            <a:lvl1pPr marL="228600" indent="-228600" algn="l" defTabSz="914400" rtl="0" eaLnBrk="1" latinLnBrk="0" hangingPunct="1">
-              <a:lnSpc>
-                <a:spcPct val="90000"/>
-              </a:lnSpc>
-              <a:spcBef>
-                <a:spcPts val="1000"/>
-              </a:spcBef>
-              <a:buFont typeface="Arial" panose="020B0604020202020204" pitchFamily="34" charset="0"/>
-              <a:buChar char="•"/>
-              <a:defRPr kumimoji="1" sz="2800" kern="1200">
-                <a:solidFill>
-                  <a:schemeClr val="tx1"/>
-                </a:solidFill>
-                <a:latin typeface="+mn-lt"/>
-                <a:ea typeface="+mn-ea"/>
-                <a:cs typeface="+mn-cs"/>
-              </a:defRPr>
-            </a:lvl1pPr>
-            <a:lvl2pPr marL="685800" indent="-228600" algn="l" defTabSz="914400" rtl="0" eaLnBrk="1" latinLnBrk="0" hangingPunct="1">
-              <a:lnSpc>
-                <a:spcPct val="90000"/>
-              </a:lnSpc>
-              <a:spcBef>
-                <a:spcPts val="500"/>
-              </a:spcBef>
-              <a:buFont typeface="Arial" panose="020B0604020202020204" pitchFamily="34" charset="0"/>
-              <a:buChar char="•"/>
-              <a:defRPr kumimoji="1" sz="2400" kern="1200">
-                <a:solidFill>
-                  <a:schemeClr val="tx1"/>
-                </a:solidFill>
-                <a:latin typeface="+mn-lt"/>
-                <a:ea typeface="+mn-ea"/>
-                <a:cs typeface="+mn-cs"/>
-              </a:defRPr>
-            </a:lvl2pPr>
-            <a:lvl3pPr marL="1143000" indent="-228600" algn="l" defTabSz="914400" rtl="0" eaLnBrk="1" latinLnBrk="0" hangingPunct="1">
-              <a:lnSpc>
-                <a:spcPct val="90000"/>
-              </a:lnSpc>
-              <a:spcBef>
-                <a:spcPts val="500"/>
-              </a:spcBef>
-              <a:buFont typeface="Arial" panose="020B0604020202020204" pitchFamily="34" charset="0"/>
-              <a:buChar char="•"/>
-              <a:defRPr kumimoji="1" sz="2000" kern="1200">
-                <a:solidFill>
-                  <a:schemeClr val="tx1"/>
-                </a:solidFill>
-                <a:latin typeface="+mn-lt"/>
-                <a:ea typeface="+mn-ea"/>
-                <a:cs typeface="+mn-cs"/>
-              </a:defRPr>
-            </a:lvl3pPr>
-            <a:lvl4pPr marL="1600200" indent="-228600" algn="l" defTabSz="914400" rtl="0" eaLnBrk="1" latinLnBrk="0" hangingPunct="1">
-              <a:lnSpc>
-                <a:spcPct val="90000"/>
-              </a:lnSpc>
-              <a:spcBef>
-                <a:spcPts val="500"/>
-              </a:spcBef>
-              <a:buFont typeface="Arial" panose="020B0604020202020204" pitchFamily="34" charset="0"/>
-              <a:buChar char="•"/>
-              <a:defRPr kumimoji="1" sz="1800" kern="1200">
-                <a:solidFill>
-                  <a:schemeClr val="tx1"/>
-                </a:solidFill>
-                <a:latin typeface="+mn-lt"/>
-                <a:ea typeface="+mn-ea"/>
-                <a:cs typeface="+mn-cs"/>
-              </a:defRPr>
-            </a:lvl4pPr>
-            <a:lvl5pPr marL="2057400" indent="-228600" algn="l" defTabSz="914400" rtl="0" eaLnBrk="1" latinLnBrk="0" hangingPunct="1">
-              <a:lnSpc>
-                <a:spcPct val="90000"/>
-              </a:lnSpc>
-              <a:spcBef>
-                <a:spcPts val="500"/>
-              </a:spcBef>
-              <a:buFont typeface="Arial" panose="020B0604020202020204" pitchFamily="34" charset="0"/>
-              <a:buChar char="•"/>
-              <a:defRPr kumimoji="1" sz="1800" kern="1200">
-                <a:solidFill>
-                  <a:schemeClr val="tx1"/>
-                </a:solidFill>
-                <a:latin typeface="+mn-lt"/>
-                <a:ea typeface="+mn-ea"/>
-                <a:cs typeface="+mn-cs"/>
-              </a:defRPr>
-            </a:lvl5pPr>
-            <a:lvl6pPr marL="2514600" indent="-228600" algn="l" defTabSz="914400" rtl="0" eaLnBrk="1" latinLnBrk="0" hangingPunct="1">
-              <a:lnSpc>
-                <a:spcPct val="90000"/>
-              </a:lnSpc>
-              <a:spcBef>
-                <a:spcPts val="500"/>
-              </a:spcBef>
-              <a:buFont typeface="Arial" panose="020B0604020202020204" pitchFamily="34" charset="0"/>
-              <a:buChar char="•"/>
-              <a:defRPr kumimoji="1" sz="1800" kern="1200">
-                <a:solidFill>
-                  <a:schemeClr val="tx1"/>
-                </a:solidFill>
-                <a:latin typeface="+mn-lt"/>
-                <a:ea typeface="+mn-ea"/>
-                <a:cs typeface="+mn-cs"/>
-              </a:defRPr>
-            </a:lvl6pPr>
-            <a:lvl7pPr marL="2971800" indent="-228600" algn="l" defTabSz="914400" rtl="0" eaLnBrk="1" latinLnBrk="0" hangingPunct="1">
-              <a:lnSpc>
-                <a:spcPct val="90000"/>
-              </a:lnSpc>
-              <a:spcBef>
-                <a:spcPts val="500"/>
-              </a:spcBef>
-              <a:buFont typeface="Arial" panose="020B0604020202020204" pitchFamily="34" charset="0"/>
-              <a:buChar char="•"/>
-              <a:defRPr kumimoji="1" sz="1800" kern="1200">
-                <a:solidFill>
-                  <a:schemeClr val="tx1"/>
-                </a:solidFill>
-                <a:latin typeface="+mn-lt"/>
-                <a:ea typeface="+mn-ea"/>
-                <a:cs typeface="+mn-cs"/>
-              </a:defRPr>
-            </a:lvl7pPr>
-            <a:lvl8pPr marL="3429000" indent="-228600" algn="l" defTabSz="914400" rtl="0" eaLnBrk="1" latinLnBrk="0" hangingPunct="1">
-              <a:lnSpc>
-                <a:spcPct val="90000"/>
-              </a:lnSpc>
-              <a:spcBef>
-                <a:spcPts val="500"/>
-              </a:spcBef>
-              <a:buFont typeface="Arial" panose="020B0604020202020204" pitchFamily="34" charset="0"/>
-              <a:buChar char="•"/>
-              <a:defRPr kumimoji="1" sz="1800" kern="1200">
-                <a:solidFill>
-                  <a:schemeClr val="tx1"/>
-                </a:solidFill>
-                <a:latin typeface="+mn-lt"/>
-                <a:ea typeface="+mn-ea"/>
-                <a:cs typeface="+mn-cs"/>
-              </a:defRPr>
-            </a:lvl8pPr>
-            <a:lvl9pPr marL="3886200" indent="-228600" algn="l" defTabSz="914400" rtl="0" eaLnBrk="1" latinLnBrk="0" hangingPunct="1">
-              <a:lnSpc>
-                <a:spcPct val="90000"/>
-              </a:lnSpc>
-              <a:spcBef>
-                <a:spcPts val="500"/>
-              </a:spcBef>
-              <a:buFont typeface="Arial" panose="020B0604020202020204" pitchFamily="34" charset="0"/>
-              <a:buChar char="•"/>
-              <a:defRPr kumimoji="1" sz="1800" kern="1200">
-                <a:solidFill>
-                  <a:schemeClr val="tx1"/>
-                </a:solidFill>
-                <a:latin typeface="+mn-lt"/>
-                <a:ea typeface="+mn-ea"/>
-                <a:cs typeface="+mn-cs"/>
-              </a:defRPr>
-            </a:lvl9pPr>
-          </a:lstStyle>
-          <a:p>
-            <a:r>
-              <a:rPr lang="ja-JP" altLang="en-US" dirty="0">
-                <a:latin typeface="HGP行書体" panose="03000600000000000000" pitchFamily="66" charset="-128"/>
-                <a:ea typeface="HGP行書体" panose="03000600000000000000" pitchFamily="66" charset="-128"/>
-              </a:rPr>
-              <a:t>大量に倒す！</a:t>
-            </a:r>
-            <a:endParaRPr lang="en-US" altLang="ja-JP" dirty="0">
-              <a:latin typeface="HGP行書体" panose="03000600000000000000" pitchFamily="66" charset="-128"/>
-              <a:ea typeface="HGP行書体" panose="03000600000000000000" pitchFamily="66" charset="-128"/>
-            </a:endParaRPr>
-          </a:p>
-        </p:txBody>
-      </p:sp>
-      <p:sp>
-        <p:nvSpPr>
-          <p:cNvPr id="5" name="コンテンツ プレースホルダー 2">
-            <a:extLst>
-              <a:ext uri="{FF2B5EF4-FFF2-40B4-BE49-F238E27FC236}">
-                <a16:creationId xmlns:a16="http://schemas.microsoft.com/office/drawing/2014/main" id="{9ABF2A28-0DF0-41A0-B3A4-E77AD7F4634A}"/>
-              </a:ext>
-            </a:extLst>
-          </p:cNvPr>
-          <p:cNvSpPr txBox="1">
-            <a:spLocks/>
-          </p:cNvSpPr>
-          <p:nvPr/>
-        </p:nvSpPr>
-        <p:spPr>
-          <a:xfrm>
-            <a:off x="475010" y="3732124"/>
-            <a:ext cx="2592956" cy="456047"/>
-          </a:xfrm>
-          <a:prstGeom prst="rect">
-            <a:avLst/>
-          </a:prstGeom>
-        </p:spPr>
-        <p:txBody>
-          <a:bodyPr vert="horz" lIns="91440" tIns="45720" rIns="91440" bIns="45720" rtlCol="0">
-            <a:normAutofit lnSpcReduction="10000"/>
-          </a:bodyPr>
-          <a:lstStyle>
-            <a:lvl1pPr marL="228600" indent="-228600" algn="l" defTabSz="914400" rtl="0" eaLnBrk="1" latinLnBrk="0" hangingPunct="1">
-              <a:lnSpc>
-                <a:spcPct val="90000"/>
-              </a:lnSpc>
-              <a:spcBef>
-                <a:spcPts val="1000"/>
-              </a:spcBef>
-              <a:buFont typeface="Arial" panose="020B0604020202020204" pitchFamily="34" charset="0"/>
-              <a:buChar char="•"/>
-              <a:defRPr kumimoji="1" sz="2800" kern="1200">
-                <a:solidFill>
-                  <a:schemeClr val="tx1"/>
-                </a:solidFill>
-                <a:latin typeface="+mn-lt"/>
-                <a:ea typeface="+mn-ea"/>
-                <a:cs typeface="+mn-cs"/>
-              </a:defRPr>
-            </a:lvl1pPr>
-            <a:lvl2pPr marL="685800" indent="-228600" algn="l" defTabSz="914400" rtl="0" eaLnBrk="1" latinLnBrk="0" hangingPunct="1">
-              <a:lnSpc>
-                <a:spcPct val="90000"/>
-              </a:lnSpc>
-              <a:spcBef>
-                <a:spcPts val="500"/>
-              </a:spcBef>
-              <a:buFont typeface="Arial" panose="020B0604020202020204" pitchFamily="34" charset="0"/>
-              <a:buChar char="•"/>
-              <a:defRPr kumimoji="1" sz="2400" kern="1200">
-                <a:solidFill>
-                  <a:schemeClr val="tx1"/>
-                </a:solidFill>
-                <a:latin typeface="+mn-lt"/>
-                <a:ea typeface="+mn-ea"/>
-                <a:cs typeface="+mn-cs"/>
-              </a:defRPr>
-            </a:lvl2pPr>
-            <a:lvl3pPr marL="1143000" indent="-228600" algn="l" defTabSz="914400" rtl="0" eaLnBrk="1" latinLnBrk="0" hangingPunct="1">
-              <a:lnSpc>
-                <a:spcPct val="90000"/>
-              </a:lnSpc>
-              <a:spcBef>
-                <a:spcPts val="500"/>
-              </a:spcBef>
-              <a:buFont typeface="Arial" panose="020B0604020202020204" pitchFamily="34" charset="0"/>
-              <a:buChar char="•"/>
-              <a:defRPr kumimoji="1" sz="2000" kern="1200">
-                <a:solidFill>
-                  <a:schemeClr val="tx1"/>
-                </a:solidFill>
-                <a:latin typeface="+mn-lt"/>
-                <a:ea typeface="+mn-ea"/>
-                <a:cs typeface="+mn-cs"/>
-              </a:defRPr>
-            </a:lvl3pPr>
-            <a:lvl4pPr marL="1600200" indent="-228600" algn="l" defTabSz="914400" rtl="0" eaLnBrk="1" latinLnBrk="0" hangingPunct="1">
-              <a:lnSpc>
-                <a:spcPct val="90000"/>
-              </a:lnSpc>
-              <a:spcBef>
-                <a:spcPts val="500"/>
-              </a:spcBef>
-              <a:buFont typeface="Arial" panose="020B0604020202020204" pitchFamily="34" charset="0"/>
-              <a:buChar char="•"/>
-              <a:defRPr kumimoji="1" sz="1800" kern="1200">
-                <a:solidFill>
-                  <a:schemeClr val="tx1"/>
-                </a:solidFill>
-                <a:latin typeface="+mn-lt"/>
-                <a:ea typeface="+mn-ea"/>
-                <a:cs typeface="+mn-cs"/>
-              </a:defRPr>
-            </a:lvl4pPr>
-            <a:lvl5pPr marL="2057400" indent="-228600" algn="l" defTabSz="914400" rtl="0" eaLnBrk="1" latinLnBrk="0" hangingPunct="1">
-              <a:lnSpc>
-                <a:spcPct val="90000"/>
-              </a:lnSpc>
-              <a:spcBef>
-                <a:spcPts val="500"/>
-              </a:spcBef>
-              <a:buFont typeface="Arial" panose="020B0604020202020204" pitchFamily="34" charset="0"/>
-              <a:buChar char="•"/>
-              <a:defRPr kumimoji="1" sz="1800" kern="1200">
-                <a:solidFill>
-                  <a:schemeClr val="tx1"/>
-                </a:solidFill>
-                <a:latin typeface="+mn-lt"/>
-                <a:ea typeface="+mn-ea"/>
-                <a:cs typeface="+mn-cs"/>
-              </a:defRPr>
-            </a:lvl5pPr>
-            <a:lvl6pPr marL="2514600" indent="-228600" algn="l" defTabSz="914400" rtl="0" eaLnBrk="1" latinLnBrk="0" hangingPunct="1">
-              <a:lnSpc>
-                <a:spcPct val="90000"/>
-              </a:lnSpc>
-              <a:spcBef>
-                <a:spcPts val="500"/>
-              </a:spcBef>
-              <a:buFont typeface="Arial" panose="020B0604020202020204" pitchFamily="34" charset="0"/>
-              <a:buChar char="•"/>
-              <a:defRPr kumimoji="1" sz="1800" kern="1200">
-                <a:solidFill>
-                  <a:schemeClr val="tx1"/>
-                </a:solidFill>
-                <a:latin typeface="+mn-lt"/>
-                <a:ea typeface="+mn-ea"/>
-                <a:cs typeface="+mn-cs"/>
-              </a:defRPr>
-            </a:lvl6pPr>
-            <a:lvl7pPr marL="2971800" indent="-228600" algn="l" defTabSz="914400" rtl="0" eaLnBrk="1" latinLnBrk="0" hangingPunct="1">
-              <a:lnSpc>
-                <a:spcPct val="90000"/>
-              </a:lnSpc>
-              <a:spcBef>
-                <a:spcPts val="500"/>
-              </a:spcBef>
-              <a:buFont typeface="Arial" panose="020B0604020202020204" pitchFamily="34" charset="0"/>
-              <a:buChar char="•"/>
-              <a:defRPr kumimoji="1" sz="1800" kern="1200">
-                <a:solidFill>
-                  <a:schemeClr val="tx1"/>
-                </a:solidFill>
-                <a:latin typeface="+mn-lt"/>
-                <a:ea typeface="+mn-ea"/>
-                <a:cs typeface="+mn-cs"/>
-              </a:defRPr>
-            </a:lvl7pPr>
-            <a:lvl8pPr marL="3429000" indent="-228600" algn="l" defTabSz="914400" rtl="0" eaLnBrk="1" latinLnBrk="0" hangingPunct="1">
-              <a:lnSpc>
-                <a:spcPct val="90000"/>
-              </a:lnSpc>
-              <a:spcBef>
-                <a:spcPts val="500"/>
-              </a:spcBef>
-              <a:buFont typeface="Arial" panose="020B0604020202020204" pitchFamily="34" charset="0"/>
-              <a:buChar char="•"/>
-              <a:defRPr kumimoji="1" sz="1800" kern="1200">
-                <a:solidFill>
-                  <a:schemeClr val="tx1"/>
-                </a:solidFill>
-                <a:latin typeface="+mn-lt"/>
-                <a:ea typeface="+mn-ea"/>
-                <a:cs typeface="+mn-cs"/>
-              </a:defRPr>
-            </a:lvl8pPr>
-            <a:lvl9pPr marL="3886200" indent="-228600" algn="l" defTabSz="914400" rtl="0" eaLnBrk="1" latinLnBrk="0" hangingPunct="1">
-              <a:lnSpc>
-                <a:spcPct val="90000"/>
-              </a:lnSpc>
-              <a:spcBef>
-                <a:spcPts val="500"/>
-              </a:spcBef>
-              <a:buFont typeface="Arial" panose="020B0604020202020204" pitchFamily="34" charset="0"/>
-              <a:buChar char="•"/>
-              <a:defRPr kumimoji="1" sz="1800" kern="1200">
-                <a:solidFill>
-                  <a:schemeClr val="tx1"/>
-                </a:solidFill>
-                <a:latin typeface="+mn-lt"/>
-                <a:ea typeface="+mn-ea"/>
-                <a:cs typeface="+mn-cs"/>
-              </a:defRPr>
-            </a:lvl9pPr>
-          </a:lstStyle>
-          <a:p>
-            <a:r>
-              <a:rPr lang="ja-JP" altLang="en-US" dirty="0">
-                <a:latin typeface="HGP行書体" panose="03000600000000000000" pitchFamily="66" charset="-128"/>
-                <a:ea typeface="HGP行書体" panose="03000600000000000000" pitchFamily="66" charset="-128"/>
-              </a:rPr>
-              <a:t>素早い動き！</a:t>
-            </a:r>
-          </a:p>
-        </p:txBody>
-      </p:sp>
-      <p:pic>
-        <p:nvPicPr>
-          <p:cNvPr id="1026" name="Picture 2" descr="戦国無双５』先行レビュー。最新作は一般兵も手強い！ 武将との戦いはどう変わった？ アクションの手触りをチェック【プレイ動画あり】 | ゲーム ・エンタメ最新情報のファミ通.com">
-            <a:extLst>
-              <a:ext uri="{FF2B5EF4-FFF2-40B4-BE49-F238E27FC236}">
-                <a16:creationId xmlns:a16="http://schemas.microsoft.com/office/drawing/2014/main" id="{0C667C8B-D70B-4710-BD63-BEADC820B7E0}"/>
-              </a:ext>
-            </a:extLst>
-          </p:cNvPr>
-          <p:cNvPicPr>
-            <a:picLocks noChangeAspect="1" noChangeArrowheads="1"/>
-          </p:cNvPicPr>
-          <p:nvPr/>
-        </p:nvPicPr>
-        <p:blipFill>
-          <a:blip r:embed="rId2">
-            <a:extLst>
-              <a:ext uri="{28A0092B-C50C-407E-A947-70E740481C1C}">
-                <a14:useLocalDpi xmlns:a14="http://schemas.microsoft.com/office/drawing/2010/main" val="0"/>
-              </a:ext>
-            </a:extLst>
-          </a:blip>
-          <a:srcRect/>
-          <a:stretch>
-            <a:fillRect/>
-          </a:stretch>
-        </p:blipFill>
-        <p:spPr bwMode="auto">
-          <a:xfrm>
-            <a:off x="3884919" y="1782544"/>
-            <a:ext cx="7832071" cy="4405540"/>
+            <a:off x="1213338" y="1925515"/>
+            <a:ext cx="4339650" cy="369332"/>
           </a:xfrm>
           <a:prstGeom prst="rect">
             <a:avLst/>
           </a:prstGeom>
           <a:noFill/>
-          <a:extLst>
-            <a:ext uri="{909E8E84-426E-40DD-AFC4-6F175D3DCCD1}">
-              <a14:hiddenFill xmlns:a14="http://schemas.microsoft.com/office/drawing/2010/main">
-                <a:solidFill>
-                  <a:srgbClr val="FFFFFF"/>
-                </a:solidFill>
-              </a14:hiddenFill>
-            </a:ext>
-          </a:extLst>
         </p:spPr>
-      </p:pic>
-      <p:pic>
-        <p:nvPicPr>
-          <p:cNvPr id="1030" name="Picture 6" descr="シリーズ最新作「ソニックフロンティア」の最新ゲームプレイ映像公開！広大な大地をソニックが爆走！ ｜ ガジェット通信 GetNews">
-            <a:extLst>
-              <a:ext uri="{FF2B5EF4-FFF2-40B4-BE49-F238E27FC236}">
-                <a16:creationId xmlns:a16="http://schemas.microsoft.com/office/drawing/2014/main" id="{5772C325-5809-4CBA-85C1-3988220D2C42}"/>
-              </a:ext>
-            </a:extLst>
-          </p:cNvPr>
-          <p:cNvPicPr>
-            <a:picLocks noChangeAspect="1" noChangeArrowheads="1"/>
-          </p:cNvPicPr>
+        <p:txBody>
+          <a:bodyPr wrap="none" rtlCol="0">
+            <a:spAutoFit/>
+          </a:bodyPr>
+          <a:lstStyle/>
+          <a:p>
+            <a:r>
+              <a:rPr kumimoji="1" lang="ja-JP" altLang="en-US" dirty="0"/>
+              <a:t>制作中に</a:t>
+            </a:r>
+            <a:r>
+              <a:rPr lang="ja-JP" altLang="en-US" dirty="0"/>
+              <a:t>ブレ</a:t>
+            </a:r>
+            <a:r>
+              <a:rPr lang="ja-JP" altLang="en-US" dirty="0" err="1"/>
+              <a:t>た</a:t>
+            </a:r>
+            <a:r>
+              <a:rPr lang="ja-JP" altLang="en-US" dirty="0"/>
+              <a:t>リスペクト元を修正する</a:t>
+            </a:r>
+            <a:endParaRPr kumimoji="1" lang="ja-JP" altLang="en-US" dirty="0"/>
+          </a:p>
+        </p:txBody>
+      </p:sp>
+      <p:sp>
+        <p:nvSpPr>
+          <p:cNvPr id="5" name="テキスト ボックス 4">
+            <a:extLst>
+              <a:ext uri="{FF2B5EF4-FFF2-40B4-BE49-F238E27FC236}">
+                <a16:creationId xmlns:a16="http://schemas.microsoft.com/office/drawing/2014/main" id="{099F7478-87F3-4CDA-868F-0276C5840C06}"/>
+              </a:ext>
+            </a:extLst>
+          </p:cNvPr>
+          <p:cNvSpPr txBox="1"/>
           <p:nvPr/>
-        </p:nvPicPr>
-        <p:blipFill>
-          <a:blip r:embed="rId3">
-            <a:extLst>
-              <a:ext uri="{28A0092B-C50C-407E-A947-70E740481C1C}">
-                <a14:useLocalDpi xmlns:a14="http://schemas.microsoft.com/office/drawing/2010/main" val="0"/>
-              </a:ext>
-            </a:extLst>
-          </a:blip>
-          <a:srcRect/>
-          <a:stretch>
-            <a:fillRect/>
-          </a:stretch>
-        </p:blipFill>
-        <p:spPr bwMode="auto">
+        </p:nvSpPr>
+        <p:spPr>
           <a:xfrm>
-            <a:off x="3884918" y="1782544"/>
-            <a:ext cx="7832072" cy="4405540"/>
+            <a:off x="1565031" y="2848708"/>
+            <a:ext cx="3456395" cy="646331"/>
           </a:xfrm>
           <a:prstGeom prst="rect">
             <a:avLst/>
           </a:prstGeom>
           <a:noFill/>
-          <a:extLst>
-            <a:ext uri="{909E8E84-426E-40DD-AFC4-6F175D3DCCD1}">
-              <a14:hiddenFill xmlns:a14="http://schemas.microsoft.com/office/drawing/2010/main">
-                <a:solidFill>
-                  <a:srgbClr val="FFFFFF"/>
-                </a:solidFill>
-              </a14:hiddenFill>
-            </a:ext>
-          </a:extLst>
         </p:spPr>
-      </p:pic>
-      <p:pic>
-        <p:nvPicPr>
-          <p:cNvPr id="1032" name="Picture 8" descr="Steam で 35% オフ:LIBLADE">
-            <a:extLst>
-              <a:ext uri="{FF2B5EF4-FFF2-40B4-BE49-F238E27FC236}">
-                <a16:creationId xmlns:a16="http://schemas.microsoft.com/office/drawing/2014/main" id="{96891544-7CC2-47DF-B28A-788642FF25F2}"/>
-              </a:ext>
-            </a:extLst>
-          </p:cNvPr>
-          <p:cNvPicPr>
-            <a:picLocks noChangeAspect="1" noChangeArrowheads="1"/>
-          </p:cNvPicPr>
+        <p:txBody>
+          <a:bodyPr wrap="none" rtlCol="0">
+            <a:spAutoFit/>
+          </a:bodyPr>
+          <a:lstStyle/>
+          <a:p>
+            <a:r>
+              <a:rPr kumimoji="1" lang="ja-JP" altLang="en-US" dirty="0"/>
+              <a:t>参考にするのは</a:t>
+            </a:r>
+            <a:r>
+              <a:rPr kumimoji="1" lang="en-US" altLang="ja-JP" dirty="0"/>
+              <a:t>LIBLADE</a:t>
+            </a:r>
+            <a:r>
+              <a:rPr kumimoji="1" lang="ja-JP" altLang="en-US" dirty="0"/>
+              <a:t>！！！</a:t>
+            </a:r>
+            <a:endParaRPr kumimoji="1" lang="en-US" altLang="ja-JP" dirty="0"/>
+          </a:p>
+          <a:p>
+            <a:r>
+              <a:rPr lang="ja-JP" altLang="en-US" dirty="0"/>
+              <a:t>余計な処理は考えない！！</a:t>
+            </a:r>
+            <a:endParaRPr kumimoji="1" lang="ja-JP" altLang="en-US" dirty="0"/>
+          </a:p>
+        </p:txBody>
+      </p:sp>
+      <p:sp>
+        <p:nvSpPr>
+          <p:cNvPr id="6" name="テキスト ボックス 5">
+            <a:extLst>
+              <a:ext uri="{FF2B5EF4-FFF2-40B4-BE49-F238E27FC236}">
+                <a16:creationId xmlns:a16="http://schemas.microsoft.com/office/drawing/2014/main" id="{32D8A675-3962-48B8-AF7B-2DAEE5F99585}"/>
+              </a:ext>
+            </a:extLst>
+          </p:cNvPr>
+          <p:cNvSpPr txBox="1"/>
           <p:nvPr/>
-        </p:nvPicPr>
-        <p:blipFill>
-          <a:blip r:embed="rId4">
-            <a:extLst>
-              <a:ext uri="{28A0092B-C50C-407E-A947-70E740481C1C}">
-                <a14:useLocalDpi xmlns:a14="http://schemas.microsoft.com/office/drawing/2010/main" val="0"/>
-              </a:ext>
-            </a:extLst>
-          </a:blip>
-          <a:srcRect/>
-          <a:stretch>
-            <a:fillRect/>
-          </a:stretch>
-        </p:blipFill>
-        <p:spPr bwMode="auto">
+        </p:nvSpPr>
+        <p:spPr>
           <a:xfrm>
-            <a:off x="3884916" y="1782544"/>
-            <a:ext cx="7832071" cy="4405540"/>
+            <a:off x="2971800" y="4317023"/>
+            <a:ext cx="3185487" cy="369332"/>
           </a:xfrm>
           <a:prstGeom prst="rect">
             <a:avLst/>
           </a:prstGeom>
           <a:noFill/>
-          <a:extLst>
-            <a:ext uri="{909E8E84-426E-40DD-AFC4-6F175D3DCCD1}">
-              <a14:hiddenFill xmlns:a14="http://schemas.microsoft.com/office/drawing/2010/main">
-                <a:solidFill>
-                  <a:srgbClr val="FFFFFF"/>
-                </a:solidFill>
-              </a14:hiddenFill>
-            </a:ext>
-          </a:extLst>
         </p:spPr>
-      </p:pic>
+        <p:txBody>
+          <a:bodyPr wrap="none" rtlCol="0">
+            <a:spAutoFit/>
+          </a:bodyPr>
+          <a:lstStyle/>
+          <a:p>
+            <a:r>
+              <a:rPr kumimoji="1" lang="ja-JP" altLang="en-US" dirty="0"/>
+              <a:t>派手でかっこいい演出！！！</a:t>
+            </a:r>
+          </a:p>
+        </p:txBody>
+      </p:sp>
+      <p:sp>
+        <p:nvSpPr>
+          <p:cNvPr id="7" name="テキスト ボックス 6">
+            <a:extLst>
+              <a:ext uri="{FF2B5EF4-FFF2-40B4-BE49-F238E27FC236}">
+                <a16:creationId xmlns:a16="http://schemas.microsoft.com/office/drawing/2014/main" id="{7AFB67DA-7EEA-4675-85E6-2BC61AF7EA9C}"/>
+              </a:ext>
+            </a:extLst>
+          </p:cNvPr>
+          <p:cNvSpPr txBox="1"/>
+          <p:nvPr/>
+        </p:nvSpPr>
+        <p:spPr>
+          <a:xfrm>
+            <a:off x="3383163" y="5332549"/>
+            <a:ext cx="2262158" cy="369332"/>
+          </a:xfrm>
+          <a:prstGeom prst="rect">
+            <a:avLst/>
+          </a:prstGeom>
+          <a:noFill/>
+        </p:spPr>
+        <p:txBody>
+          <a:bodyPr wrap="none" rtlCol="0">
+            <a:spAutoFit/>
+          </a:bodyPr>
+          <a:lstStyle/>
+          <a:p>
+            <a:r>
+              <a:rPr kumimoji="1" lang="ja-JP" altLang="en-US" dirty="0"/>
+              <a:t>直感的な操作！！！</a:t>
+            </a:r>
+          </a:p>
+        </p:txBody>
+      </p:sp>
     </p:spTree>
     <p:extLst>
       <p:ext uri="{BB962C8B-B14F-4D97-AF65-F5344CB8AC3E}">
-        <p14:creationId xmlns:p14="http://schemas.microsoft.com/office/powerpoint/2010/main" val="1615666693"/>
+        <p14:creationId xmlns:p14="http://schemas.microsoft.com/office/powerpoint/2010/main" val="2104230225"/>
       </p:ext>
     </p:extLst>
   </p:cSld>
   <p:clrMapOvr>
     <a:masterClrMapping/>
   </p:clrMapOvr>
-  <mc:AlternateContent xmlns:mc="http://schemas.openxmlformats.org/markup-compatibility/2006" xmlns:p159="http://schemas.microsoft.com/office/powerpoint/2015/09/main">
-    <mc:Choice Requires="p159">
-      <p:transition xmlns:p14="http://schemas.microsoft.com/office/powerpoint/2010/main" spd="slow" p14:dur="2000">
-        <p159:morph option="byObject"/>
-      </p:transition>
-    </mc:Choice>
-    <mc:Fallback xmlns="">
-      <p:transition spd="slow">
-        <p:fade/>
-      </p:transition>
-    </mc:Fallback>
-  </mc:AlternateContent>
-  <p:timing>
-    <p:tnLst>
-      <p:par>
-        <p:cTn id="1" dur="indefinite" restart="never" nodeType="tmRoot">
-          <p:childTnLst>
-            <p:seq concurrent="1" nextAc="seek">
-              <p:cTn id="2" dur="indefinite" nodeType="mainSeq">
-                <p:childTnLst>
-                  <p:par>
-                    <p:cTn id="3" fill="hold">
-                      <p:stCondLst>
-                        <p:cond delay="indefinite"/>
-                      </p:stCondLst>
-                      <p:childTnLst>
-                        <p:par>
-                          <p:cTn id="4" fill="hold">
-                            <p:stCondLst>
-                              <p:cond delay="0"/>
-                            </p:stCondLst>
-                            <p:childTnLst>
-                              <p:par>
-                                <p:cTn id="5" presetID="2" presetClass="entr" presetSubtype="4" fill="hold" grpId="0" nodeType="clickEffect">
-                                  <p:stCondLst>
-                                    <p:cond delay="0"/>
-                                  </p:stCondLst>
-                                  <p:childTnLst>
-                                    <p:set>
-                                      <p:cBhvr>
-                                        <p:cTn id="6" dur="1" fill="hold">
-                                          <p:stCondLst>
-                                            <p:cond delay="0"/>
-                                          </p:stCondLst>
-                                        </p:cTn>
-                                        <p:tgtEl>
-                                          <p:spTgt spid="4"/>
-                                        </p:tgtEl>
-                                        <p:attrNameLst>
-                                          <p:attrName>style.visibility</p:attrName>
-                                        </p:attrNameLst>
-                                      </p:cBhvr>
-                                      <p:to>
-                                        <p:strVal val="visible"/>
-                                      </p:to>
-                                    </p:set>
-                                    <p:anim calcmode="lin" valueType="num">
-                                      <p:cBhvr additive="base">
-                                        <p:cTn id="7" dur="500" fill="hold"/>
-                                        <p:tgtEl>
-                                          <p:spTgt spid="4"/>
-                                        </p:tgtEl>
-                                        <p:attrNameLst>
-                                          <p:attrName>ppt_x</p:attrName>
-                                        </p:attrNameLst>
-                                      </p:cBhvr>
-                                      <p:tavLst>
-                                        <p:tav tm="0">
-                                          <p:val>
-                                            <p:strVal val="#ppt_x"/>
-                                          </p:val>
-                                        </p:tav>
-                                        <p:tav tm="100000">
-                                          <p:val>
-                                            <p:strVal val="#ppt_x"/>
-                                          </p:val>
-                                        </p:tav>
-                                      </p:tavLst>
-                                    </p:anim>
-                                    <p:anim calcmode="lin" valueType="num">
-                                      <p:cBhvr additive="base">
-                                        <p:cTn id="8" dur="500" fill="hold"/>
-                                        <p:tgtEl>
-                                          <p:spTgt spid="4"/>
-                                        </p:tgtEl>
-                                        <p:attrNameLst>
-                                          <p:attrName>ppt_y</p:attrName>
-                                        </p:attrNameLst>
-                                      </p:cBhvr>
-                                      <p:tavLst>
-                                        <p:tav tm="0">
-                                          <p:val>
-                                            <p:strVal val="1+#ppt_h/2"/>
-                                          </p:val>
-                                        </p:tav>
-                                        <p:tav tm="100000">
-                                          <p:val>
-                                            <p:strVal val="#ppt_y"/>
-                                          </p:val>
-                                        </p:tav>
-                                      </p:tavLst>
-                                    </p:anim>
-                                  </p:childTnLst>
-                                </p:cTn>
-                              </p:par>
-                              <p:par>
-                                <p:cTn id="9" presetID="2" presetClass="entr" presetSubtype="4" fill="hold" nodeType="withEffect">
-                                  <p:stCondLst>
-                                    <p:cond delay="0"/>
-                                  </p:stCondLst>
-                                  <p:childTnLst>
-                                    <p:set>
-                                      <p:cBhvr>
-                                        <p:cTn id="10" dur="1" fill="hold">
-                                          <p:stCondLst>
-                                            <p:cond delay="0"/>
-                                          </p:stCondLst>
-                                        </p:cTn>
-                                        <p:tgtEl>
-                                          <p:spTgt spid="1026"/>
-                                        </p:tgtEl>
-                                        <p:attrNameLst>
-                                          <p:attrName>style.visibility</p:attrName>
-                                        </p:attrNameLst>
-                                      </p:cBhvr>
-                                      <p:to>
-                                        <p:strVal val="visible"/>
-                                      </p:to>
-                                    </p:set>
-                                    <p:anim calcmode="lin" valueType="num">
-                                      <p:cBhvr additive="base">
-                                        <p:cTn id="11" dur="500" fill="hold"/>
-                                        <p:tgtEl>
-                                          <p:spTgt spid="1026"/>
-                                        </p:tgtEl>
-                                        <p:attrNameLst>
-                                          <p:attrName>ppt_x</p:attrName>
-                                        </p:attrNameLst>
-                                      </p:cBhvr>
-                                      <p:tavLst>
-                                        <p:tav tm="0">
-                                          <p:val>
-                                            <p:strVal val="#ppt_x"/>
-                                          </p:val>
-                                        </p:tav>
-                                        <p:tav tm="100000">
-                                          <p:val>
-                                            <p:strVal val="#ppt_x"/>
-                                          </p:val>
-                                        </p:tav>
-                                      </p:tavLst>
-                                    </p:anim>
-                                    <p:anim calcmode="lin" valueType="num">
-                                      <p:cBhvr additive="base">
-                                        <p:cTn id="12" dur="500" fill="hold"/>
-                                        <p:tgtEl>
-                                          <p:spTgt spid="1026"/>
-                                        </p:tgtEl>
-                                        <p:attrNameLst>
-                                          <p:attrName>ppt_y</p:attrName>
-                                        </p:attrNameLst>
-                                      </p:cBhvr>
-                                      <p:tavLst>
-                                        <p:tav tm="0">
-                                          <p:val>
-                                            <p:strVal val="1+#ppt_h/2"/>
-                                          </p:val>
-                                        </p:tav>
-                                        <p:tav tm="100000">
-                                          <p:val>
-                                            <p:strVal val="#ppt_y"/>
-                                          </p:val>
-                                        </p:tav>
-                                      </p:tavLst>
-                                    </p:anim>
-                                  </p:childTnLst>
-                                </p:cTn>
-                              </p:par>
-                            </p:childTnLst>
-                          </p:cTn>
-                        </p:par>
-                      </p:childTnLst>
-                    </p:cTn>
-                  </p:par>
-                  <p:par>
-                    <p:cTn id="13" fill="hold">
-                      <p:stCondLst>
-                        <p:cond delay="indefinite"/>
-                      </p:stCondLst>
-                      <p:childTnLst>
-                        <p:par>
-                          <p:cTn id="14" fill="hold">
-                            <p:stCondLst>
-                              <p:cond delay="0"/>
-                            </p:stCondLst>
-                            <p:childTnLst>
-                              <p:par>
-                                <p:cTn id="15" presetID="2" presetClass="entr" presetSubtype="4" fill="hold" grpId="0" nodeType="clickEffect">
-                                  <p:stCondLst>
-                                    <p:cond delay="0"/>
-                                  </p:stCondLst>
-                                  <p:childTnLst>
-                                    <p:set>
-                                      <p:cBhvr>
-                                        <p:cTn id="16" dur="1" fill="hold">
-                                          <p:stCondLst>
-                                            <p:cond delay="0"/>
-                                          </p:stCondLst>
-                                        </p:cTn>
-                                        <p:tgtEl>
-                                          <p:spTgt spid="5"/>
-                                        </p:tgtEl>
-                                        <p:attrNameLst>
-                                          <p:attrName>style.visibility</p:attrName>
-                                        </p:attrNameLst>
-                                      </p:cBhvr>
-                                      <p:to>
-                                        <p:strVal val="visible"/>
-                                      </p:to>
-                                    </p:set>
-                                    <p:anim calcmode="lin" valueType="num">
-                                      <p:cBhvr additive="base">
-                                        <p:cTn id="17" dur="500" fill="hold"/>
-                                        <p:tgtEl>
-                                          <p:spTgt spid="5"/>
-                                        </p:tgtEl>
-                                        <p:attrNameLst>
-                                          <p:attrName>ppt_x</p:attrName>
-                                        </p:attrNameLst>
-                                      </p:cBhvr>
-                                      <p:tavLst>
-                                        <p:tav tm="0">
-                                          <p:val>
-                                            <p:strVal val="#ppt_x"/>
-                                          </p:val>
-                                        </p:tav>
-                                        <p:tav tm="100000">
-                                          <p:val>
-                                            <p:strVal val="#ppt_x"/>
-                                          </p:val>
-                                        </p:tav>
-                                      </p:tavLst>
-                                    </p:anim>
-                                    <p:anim calcmode="lin" valueType="num">
-                                      <p:cBhvr additive="base">
-                                        <p:cTn id="18" dur="500" fill="hold"/>
-                                        <p:tgtEl>
-                                          <p:spTgt spid="5"/>
-                                        </p:tgtEl>
-                                        <p:attrNameLst>
-                                          <p:attrName>ppt_y</p:attrName>
-                                        </p:attrNameLst>
-                                      </p:cBhvr>
-                                      <p:tavLst>
-                                        <p:tav tm="0">
-                                          <p:val>
-                                            <p:strVal val="1+#ppt_h/2"/>
-                                          </p:val>
-                                        </p:tav>
-                                        <p:tav tm="100000">
-                                          <p:val>
-                                            <p:strVal val="#ppt_y"/>
-                                          </p:val>
-                                        </p:tav>
-                                      </p:tavLst>
-                                    </p:anim>
-                                  </p:childTnLst>
-                                </p:cTn>
-                              </p:par>
-                              <p:par>
-                                <p:cTn id="19" presetID="2" presetClass="entr" presetSubtype="4" fill="hold" nodeType="withEffect">
-                                  <p:stCondLst>
-                                    <p:cond delay="0"/>
-                                  </p:stCondLst>
-                                  <p:childTnLst>
-                                    <p:set>
-                                      <p:cBhvr>
-                                        <p:cTn id="20" dur="1" fill="hold">
-                                          <p:stCondLst>
-                                            <p:cond delay="0"/>
-                                          </p:stCondLst>
-                                        </p:cTn>
-                                        <p:tgtEl>
-                                          <p:spTgt spid="1030"/>
-                                        </p:tgtEl>
-                                        <p:attrNameLst>
-                                          <p:attrName>style.visibility</p:attrName>
-                                        </p:attrNameLst>
-                                      </p:cBhvr>
-                                      <p:to>
-                                        <p:strVal val="visible"/>
-                                      </p:to>
-                                    </p:set>
-                                    <p:anim calcmode="lin" valueType="num">
-                                      <p:cBhvr additive="base">
-                                        <p:cTn id="21" dur="500" fill="hold"/>
-                                        <p:tgtEl>
-                                          <p:spTgt spid="1030"/>
-                                        </p:tgtEl>
-                                        <p:attrNameLst>
-                                          <p:attrName>ppt_x</p:attrName>
-                                        </p:attrNameLst>
-                                      </p:cBhvr>
-                                      <p:tavLst>
-                                        <p:tav tm="0">
-                                          <p:val>
-                                            <p:strVal val="#ppt_x"/>
-                                          </p:val>
-                                        </p:tav>
-                                        <p:tav tm="100000">
-                                          <p:val>
-                                            <p:strVal val="#ppt_x"/>
-                                          </p:val>
-                                        </p:tav>
-                                      </p:tavLst>
-                                    </p:anim>
-                                    <p:anim calcmode="lin" valueType="num">
-                                      <p:cBhvr additive="base">
-                                        <p:cTn id="22" dur="500" fill="hold"/>
-                                        <p:tgtEl>
-                                          <p:spTgt spid="1030"/>
-                                        </p:tgtEl>
-                                        <p:attrNameLst>
-                                          <p:attrName>ppt_y</p:attrName>
-                                        </p:attrNameLst>
-                                      </p:cBhvr>
-                                      <p:tavLst>
-                                        <p:tav tm="0">
-                                          <p:val>
-                                            <p:strVal val="1+#ppt_h/2"/>
-                                          </p:val>
-                                        </p:tav>
-                                        <p:tav tm="100000">
-                                          <p:val>
-                                            <p:strVal val="#ppt_y"/>
-                                          </p:val>
-                                        </p:tav>
-                                      </p:tavLst>
-                                    </p:anim>
-                                  </p:childTnLst>
-                                </p:cTn>
-                              </p:par>
-                            </p:childTnLst>
-                          </p:cTn>
-                        </p:par>
-                      </p:childTnLst>
-                    </p:cTn>
-                  </p:par>
-                  <p:par>
-                    <p:cTn id="23" fill="hold">
-                      <p:stCondLst>
-                        <p:cond delay="indefinite"/>
-                      </p:stCondLst>
-                      <p:childTnLst>
-                        <p:par>
-                          <p:cTn id="24" fill="hold">
-                            <p:stCondLst>
-                              <p:cond delay="0"/>
-                            </p:stCondLst>
-                            <p:childTnLst>
-                              <p:par>
-                                <p:cTn id="25" presetID="2" presetClass="entr" presetSubtype="4" fill="hold" grpId="0" nodeType="clickEffect">
-                                  <p:stCondLst>
-                                    <p:cond delay="0"/>
-                                  </p:stCondLst>
-                                  <p:childTnLst>
-                                    <p:set>
-                                      <p:cBhvr>
-                                        <p:cTn id="26" dur="1" fill="hold">
-                                          <p:stCondLst>
-                                            <p:cond delay="0"/>
-                                          </p:stCondLst>
-                                        </p:cTn>
-                                        <p:tgtEl>
-                                          <p:spTgt spid="3">
-                                            <p:txEl>
-                                              <p:pRg st="0" end="0"/>
-                                            </p:txEl>
-                                          </p:spTgt>
-                                        </p:tgtEl>
-                                        <p:attrNameLst>
-                                          <p:attrName>style.visibility</p:attrName>
-                                        </p:attrNameLst>
-                                      </p:cBhvr>
-                                      <p:to>
-                                        <p:strVal val="visible"/>
-                                      </p:to>
-                                    </p:set>
-                                    <p:anim calcmode="lin" valueType="num">
-                                      <p:cBhvr additive="base">
-                                        <p:cTn id="27" dur="500" fill="hold"/>
-                                        <p:tgtEl>
-                                          <p:spTgt spid="3">
-                                            <p:txEl>
-                                              <p:pRg st="0" end="0"/>
-                                            </p:txEl>
-                                          </p:spTgt>
-                                        </p:tgtEl>
-                                        <p:attrNameLst>
-                                          <p:attrName>ppt_x</p:attrName>
-                                        </p:attrNameLst>
-                                      </p:cBhvr>
-                                      <p:tavLst>
-                                        <p:tav tm="0">
-                                          <p:val>
-                                            <p:strVal val="#ppt_x"/>
-                                          </p:val>
-                                        </p:tav>
-                                        <p:tav tm="100000">
-                                          <p:val>
-                                            <p:strVal val="#ppt_x"/>
-                                          </p:val>
-                                        </p:tav>
-                                      </p:tavLst>
-                                    </p:anim>
-                                    <p:anim calcmode="lin" valueType="num">
-                                      <p:cBhvr additive="base">
-                                        <p:cTn id="28" dur="500" fill="hold"/>
-                                        <p:tgtEl>
-                                          <p:spTgt spid="3">
-                                            <p:txEl>
-                                              <p:pRg st="0" end="0"/>
-                                            </p:txEl>
-                                          </p:spTgt>
-                                        </p:tgtEl>
-                                        <p:attrNameLst>
-                                          <p:attrName>ppt_y</p:attrName>
-                                        </p:attrNameLst>
-                                      </p:cBhvr>
-                                      <p:tavLst>
-                                        <p:tav tm="0">
-                                          <p:val>
-                                            <p:strVal val="1+#ppt_h/2"/>
-                                          </p:val>
-                                        </p:tav>
-                                        <p:tav tm="100000">
-                                          <p:val>
-                                            <p:strVal val="#ppt_y"/>
-                                          </p:val>
-                                        </p:tav>
-                                      </p:tavLst>
-                                    </p:anim>
-                                  </p:childTnLst>
-                                </p:cTn>
-                              </p:par>
-                              <p:par>
-                                <p:cTn id="29" presetID="2" presetClass="entr" presetSubtype="4" fill="hold" nodeType="withEffect">
-                                  <p:stCondLst>
-                                    <p:cond delay="0"/>
-                                  </p:stCondLst>
-                                  <p:childTnLst>
-                                    <p:set>
-                                      <p:cBhvr>
-                                        <p:cTn id="30" dur="1" fill="hold">
-                                          <p:stCondLst>
-                                            <p:cond delay="0"/>
-                                          </p:stCondLst>
-                                        </p:cTn>
-                                        <p:tgtEl>
-                                          <p:spTgt spid="1032"/>
-                                        </p:tgtEl>
-                                        <p:attrNameLst>
-                                          <p:attrName>style.visibility</p:attrName>
-                                        </p:attrNameLst>
-                                      </p:cBhvr>
-                                      <p:to>
-                                        <p:strVal val="visible"/>
-                                      </p:to>
-                                    </p:set>
-                                    <p:anim calcmode="lin" valueType="num">
-                                      <p:cBhvr additive="base">
-                                        <p:cTn id="31" dur="500" fill="hold"/>
-                                        <p:tgtEl>
-                                          <p:spTgt spid="1032"/>
-                                        </p:tgtEl>
-                                        <p:attrNameLst>
-                                          <p:attrName>ppt_x</p:attrName>
-                                        </p:attrNameLst>
-                                      </p:cBhvr>
-                                      <p:tavLst>
-                                        <p:tav tm="0">
-                                          <p:val>
-                                            <p:strVal val="#ppt_x"/>
-                                          </p:val>
-                                        </p:tav>
-                                        <p:tav tm="100000">
-                                          <p:val>
-                                            <p:strVal val="#ppt_x"/>
-                                          </p:val>
-                                        </p:tav>
-                                      </p:tavLst>
-                                    </p:anim>
-                                    <p:anim calcmode="lin" valueType="num">
-                                      <p:cBhvr additive="base">
-                                        <p:cTn id="32" dur="500" fill="hold"/>
-                                        <p:tgtEl>
-                                          <p:spTgt spid="1032"/>
-                                        </p:tgtEl>
-                                        <p:attrNameLst>
-                                          <p:attrName>ppt_y</p:attrName>
-                                        </p:attrNameLst>
-                                      </p:cBhvr>
-                                      <p:tavLst>
-                                        <p:tav tm="0">
-                                          <p:val>
-                                            <p:strVal val="1+#ppt_h/2"/>
-                                          </p:val>
-                                        </p:tav>
-                                        <p:tav tm="100000">
-                                          <p:val>
-                                            <p:strVal val="#ppt_y"/>
-                                          </p:val>
-                                        </p:tav>
-                                      </p:tavLst>
-                                    </p:anim>
-                                  </p:childTnLst>
-                                </p:cTn>
-                              </p:par>
-                            </p:childTnLst>
-                          </p:cTn>
-                        </p:par>
-                      </p:childTnLst>
-                    </p:cTn>
-                  </p:par>
-                </p:childTnLst>
-              </p:cTn>
-              <p:prevCondLst>
-                <p:cond evt="onPrev" delay="0">
-                  <p:tgtEl>
-                    <p:sldTgt/>
-                  </p:tgtEl>
-                </p:cond>
-              </p:prevCondLst>
-              <p:nextCondLst>
-                <p:cond evt="onNext" delay="0">
-                  <p:tgtEl>
-                    <p:sldTgt/>
-                  </p:tgtEl>
-                </p:cond>
-              </p:nextCondLst>
-            </p:seq>
-          </p:childTnLst>
-        </p:cTn>
-      </p:par>
-    </p:tnLst>
-    <p:bldLst>
-      <p:bldP spid="3" grpId="0" build="p"/>
-      <p:bldP spid="4" grpId="0"/>
-      <p:bldP spid="5" grpId="0"/>
-    </p:bldLst>
-  </p:timing>
 </p:sld>
 </file>
 
@@ -5210,7 +4241,7 @@
           <p:cNvPr id="2" name="タイトル 1">
             <a:extLst>
               <a:ext uri="{FF2B5EF4-FFF2-40B4-BE49-F238E27FC236}">
-                <a16:creationId xmlns:a16="http://schemas.microsoft.com/office/drawing/2014/main" id="{86750ABC-36CC-4F31-B7AC-C74C3059FBA1}"/>
+                <a16:creationId xmlns:a16="http://schemas.microsoft.com/office/drawing/2014/main" id="{80DF8DFD-123E-46F8-8696-96FA64F186FC}"/>
               </a:ext>
             </a:extLst>
           </p:cNvPr>
@@ -5221,22 +4252,24 @@
             <p:ph type="title"/>
           </p:nvPr>
         </p:nvSpPr>
-        <p:spPr>
-          <a:xfrm>
-            <a:off x="1330569" y="655271"/>
-            <a:ext cx="3329354" cy="944929"/>
-          </a:xfrm>
-        </p:spPr>
-        <p:txBody>
-          <a:bodyPr/>
-          <a:lstStyle/>
-          <a:p>
+        <p:spPr/>
+        <p:txBody>
+          <a:bodyPr/>
+          <a:lstStyle/>
+          <a:p>
+            <a:r>
+              <a:rPr lang="en-US" altLang="ja-JP" dirty="0">
+                <a:latin typeface="HGP行書体" panose="03000600000000000000" pitchFamily="66" charset="-128"/>
+                <a:ea typeface="HGP行書体" panose="03000600000000000000" pitchFamily="66" charset="-128"/>
+              </a:rPr>
+              <a:t>LIBLADE</a:t>
+            </a:r>
             <a:r>
               <a:rPr lang="ja-JP" altLang="en-US" dirty="0">
                 <a:latin typeface="HGP行書体" panose="03000600000000000000" pitchFamily="66" charset="-128"/>
                 <a:ea typeface="HGP行書体" panose="03000600000000000000" pitchFamily="66" charset="-128"/>
               </a:rPr>
-              <a:t>大量に倒す</a:t>
+              <a:t>から抽出する要素</a:t>
             </a:r>
             <a:endParaRPr kumimoji="1" lang="ja-JP" altLang="en-US" dirty="0">
               <a:latin typeface="HGP行書体" panose="03000600000000000000" pitchFamily="66" charset="-128"/>
@@ -5247,549 +4280,70 @@
       </p:sp>
       <p:sp>
         <p:nvSpPr>
-          <p:cNvPr id="3" name="コンテンツ プレースホルダー 2">
-            <a:extLst>
-              <a:ext uri="{FF2B5EF4-FFF2-40B4-BE49-F238E27FC236}">
-                <a16:creationId xmlns:a16="http://schemas.microsoft.com/office/drawing/2014/main" id="{5409D855-0CE7-4D40-A08F-13A9FC288DA7}"/>
-              </a:ext>
-            </a:extLst>
-          </p:cNvPr>
-          <p:cNvSpPr>
-            <a:spLocks noGrp="1"/>
-          </p:cNvSpPr>
-          <p:nvPr>
-            <p:ph idx="1"/>
-          </p:nvPr>
+          <p:cNvPr id="4" name="テキスト ボックス 3">
+            <a:extLst>
+              <a:ext uri="{FF2B5EF4-FFF2-40B4-BE49-F238E27FC236}">
+                <a16:creationId xmlns:a16="http://schemas.microsoft.com/office/drawing/2014/main" id="{72FED055-65DF-41DE-8FA6-9C5B45595F9C}"/>
+              </a:ext>
+            </a:extLst>
+          </p:cNvPr>
+          <p:cNvSpPr txBox="1"/>
+          <p:nvPr/>
         </p:nvSpPr>
         <p:spPr>
           <a:xfrm>
-            <a:off x="1893277" y="1657594"/>
-            <a:ext cx="8006862" cy="486752"/>
-          </a:xfrm>
-        </p:spPr>
-        <p:txBody>
-          <a:bodyPr/>
-          <a:lstStyle/>
-          <a:p>
-            <a:r>
-              <a:rPr lang="ja-JP" altLang="en-US" dirty="0"/>
-              <a:t>一度の攻撃で複数の敵を倒せるゲームシステム</a:t>
-            </a:r>
-            <a:endParaRPr lang="en-US" altLang="ja-JP" dirty="0"/>
-          </a:p>
-          <a:p>
-            <a:endParaRPr kumimoji="1" lang="ja-JP" altLang="en-US" dirty="0"/>
-          </a:p>
-        </p:txBody>
-      </p:sp>
-      <p:sp>
-        <p:nvSpPr>
-          <p:cNvPr id="8" name="タイトル 1">
-            <a:extLst>
-              <a:ext uri="{FF2B5EF4-FFF2-40B4-BE49-F238E27FC236}">
-                <a16:creationId xmlns:a16="http://schemas.microsoft.com/office/drawing/2014/main" id="{5A6F1771-F77A-4F44-8E98-036295BE0B4E}"/>
-              </a:ext>
-            </a:extLst>
-          </p:cNvPr>
-          <p:cNvSpPr txBox="1">
-            <a:spLocks/>
-          </p:cNvSpPr>
-          <p:nvPr/>
-        </p:nvSpPr>
-        <p:spPr>
-          <a:xfrm>
-            <a:off x="1330569" y="2201740"/>
-            <a:ext cx="3329354" cy="944929"/>
+            <a:off x="1143000" y="2312377"/>
+            <a:ext cx="6417141" cy="369332"/>
           </a:xfrm>
           <a:prstGeom prst="rect">
             <a:avLst/>
           </a:prstGeom>
+          <a:noFill/>
         </p:spPr>
         <p:txBody>
-          <a:bodyPr vert="horz" lIns="91440" tIns="45720" rIns="91440" bIns="45720" rtlCol="0" anchor="ctr">
-            <a:normAutofit/>
+          <a:bodyPr wrap="none" rtlCol="0">
+            <a:spAutoFit/>
           </a:bodyPr>
-          <a:lstStyle>
-            <a:lvl1pPr algn="l" defTabSz="914400" rtl="0" eaLnBrk="1" latinLnBrk="0" hangingPunct="1">
-              <a:lnSpc>
-                <a:spcPct val="90000"/>
-              </a:lnSpc>
-              <a:spcBef>
-                <a:spcPct val="0"/>
-              </a:spcBef>
-              <a:buNone/>
-              <a:defRPr kumimoji="1" sz="4400" kern="1200">
-                <a:solidFill>
-                  <a:schemeClr val="tx1"/>
-                </a:solidFill>
-                <a:latin typeface="+mj-lt"/>
-                <a:ea typeface="+mj-ea"/>
-                <a:cs typeface="+mj-cs"/>
-              </a:defRPr>
-            </a:lvl1pPr>
-          </a:lstStyle>
-          <a:p>
-            <a:r>
-              <a:rPr lang="ja-JP" altLang="en-US" dirty="0">
-                <a:latin typeface="HGP行書体" panose="03000600000000000000" pitchFamily="66" charset="-128"/>
-                <a:ea typeface="HGP行書体" panose="03000600000000000000" pitchFamily="66" charset="-128"/>
-              </a:rPr>
-              <a:t>素早い動き</a:t>
-            </a:r>
-          </a:p>
-        </p:txBody>
-      </p:sp>
-      <p:sp>
-        <p:nvSpPr>
-          <p:cNvPr id="9" name="コンテンツ プレースホルダー 2">
-            <a:extLst>
-              <a:ext uri="{FF2B5EF4-FFF2-40B4-BE49-F238E27FC236}">
-                <a16:creationId xmlns:a16="http://schemas.microsoft.com/office/drawing/2014/main" id="{A1D59F28-7D48-4F8A-8255-EFD6A0883EA3}"/>
-              </a:ext>
-            </a:extLst>
-          </p:cNvPr>
-          <p:cNvSpPr txBox="1">
-            <a:spLocks/>
-          </p:cNvSpPr>
+          <a:lstStyle/>
+          <a:p>
+            <a:r>
+              <a:rPr kumimoji="1" lang="ja-JP" altLang="en-US" dirty="0"/>
+              <a:t>右スティックで攻撃！これを復活させてこその原点回帰！！</a:t>
+            </a:r>
+          </a:p>
+        </p:txBody>
+      </p:sp>
+      <p:sp>
+        <p:nvSpPr>
+          <p:cNvPr id="5" name="テキスト ボックス 4">
+            <a:extLst>
+              <a:ext uri="{FF2B5EF4-FFF2-40B4-BE49-F238E27FC236}">
+                <a16:creationId xmlns:a16="http://schemas.microsoft.com/office/drawing/2014/main" id="{4F03282A-41DF-4480-9AFD-10B0CCDF7E06}"/>
+              </a:ext>
+            </a:extLst>
+          </p:cNvPr>
+          <p:cNvSpPr txBox="1"/>
           <p:nvPr/>
         </p:nvSpPr>
         <p:spPr>
           <a:xfrm>
-            <a:off x="1893277" y="3238561"/>
-            <a:ext cx="8006862" cy="486752"/>
+            <a:off x="2400300" y="3578469"/>
+            <a:ext cx="5724644" cy="369332"/>
           </a:xfrm>
           <a:prstGeom prst="rect">
             <a:avLst/>
           </a:prstGeom>
+          <a:noFill/>
         </p:spPr>
         <p:txBody>
-          <a:bodyPr vert="horz" lIns="91440" tIns="45720" rIns="91440" bIns="45720" rtlCol="0">
-            <a:normAutofit/>
+          <a:bodyPr wrap="none" rtlCol="0">
+            <a:spAutoFit/>
           </a:bodyPr>
-          <a:lstStyle>
-            <a:lvl1pPr marL="228600" indent="-228600" algn="l" defTabSz="914400" rtl="0" eaLnBrk="1" latinLnBrk="0" hangingPunct="1">
-              <a:lnSpc>
-                <a:spcPct val="90000"/>
-              </a:lnSpc>
-              <a:spcBef>
-                <a:spcPts val="1000"/>
-              </a:spcBef>
-              <a:buFont typeface="Arial" panose="020B0604020202020204" pitchFamily="34" charset="0"/>
-              <a:buChar char="•"/>
-              <a:defRPr kumimoji="1" sz="2800" kern="1200">
-                <a:solidFill>
-                  <a:schemeClr val="tx1"/>
-                </a:solidFill>
-                <a:latin typeface="+mn-lt"/>
-                <a:ea typeface="+mn-ea"/>
-                <a:cs typeface="+mn-cs"/>
-              </a:defRPr>
-            </a:lvl1pPr>
-            <a:lvl2pPr marL="685800" indent="-228600" algn="l" defTabSz="914400" rtl="0" eaLnBrk="1" latinLnBrk="0" hangingPunct="1">
-              <a:lnSpc>
-                <a:spcPct val="90000"/>
-              </a:lnSpc>
-              <a:spcBef>
-                <a:spcPts val="500"/>
-              </a:spcBef>
-              <a:buFont typeface="Arial" panose="020B0604020202020204" pitchFamily="34" charset="0"/>
-              <a:buChar char="•"/>
-              <a:defRPr kumimoji="1" sz="2400" kern="1200">
-                <a:solidFill>
-                  <a:schemeClr val="tx1"/>
-                </a:solidFill>
-                <a:latin typeface="+mn-lt"/>
-                <a:ea typeface="+mn-ea"/>
-                <a:cs typeface="+mn-cs"/>
-              </a:defRPr>
-            </a:lvl2pPr>
-            <a:lvl3pPr marL="1143000" indent="-228600" algn="l" defTabSz="914400" rtl="0" eaLnBrk="1" latinLnBrk="0" hangingPunct="1">
-              <a:lnSpc>
-                <a:spcPct val="90000"/>
-              </a:lnSpc>
-              <a:spcBef>
-                <a:spcPts val="500"/>
-              </a:spcBef>
-              <a:buFont typeface="Arial" panose="020B0604020202020204" pitchFamily="34" charset="0"/>
-              <a:buChar char="•"/>
-              <a:defRPr kumimoji="1" sz="2000" kern="1200">
-                <a:solidFill>
-                  <a:schemeClr val="tx1"/>
-                </a:solidFill>
-                <a:latin typeface="+mn-lt"/>
-                <a:ea typeface="+mn-ea"/>
-                <a:cs typeface="+mn-cs"/>
-              </a:defRPr>
-            </a:lvl3pPr>
-            <a:lvl4pPr marL="1600200" indent="-228600" algn="l" defTabSz="914400" rtl="0" eaLnBrk="1" latinLnBrk="0" hangingPunct="1">
-              <a:lnSpc>
-                <a:spcPct val="90000"/>
-              </a:lnSpc>
-              <a:spcBef>
-                <a:spcPts val="500"/>
-              </a:spcBef>
-              <a:buFont typeface="Arial" panose="020B0604020202020204" pitchFamily="34" charset="0"/>
-              <a:buChar char="•"/>
-              <a:defRPr kumimoji="1" sz="1800" kern="1200">
-                <a:solidFill>
-                  <a:schemeClr val="tx1"/>
-                </a:solidFill>
-                <a:latin typeface="+mn-lt"/>
-                <a:ea typeface="+mn-ea"/>
-                <a:cs typeface="+mn-cs"/>
-              </a:defRPr>
-            </a:lvl4pPr>
-            <a:lvl5pPr marL="2057400" indent="-228600" algn="l" defTabSz="914400" rtl="0" eaLnBrk="1" latinLnBrk="0" hangingPunct="1">
-              <a:lnSpc>
-                <a:spcPct val="90000"/>
-              </a:lnSpc>
-              <a:spcBef>
-                <a:spcPts val="500"/>
-              </a:spcBef>
-              <a:buFont typeface="Arial" panose="020B0604020202020204" pitchFamily="34" charset="0"/>
-              <a:buChar char="•"/>
-              <a:defRPr kumimoji="1" sz="1800" kern="1200">
-                <a:solidFill>
-                  <a:schemeClr val="tx1"/>
-                </a:solidFill>
-                <a:latin typeface="+mn-lt"/>
-                <a:ea typeface="+mn-ea"/>
-                <a:cs typeface="+mn-cs"/>
-              </a:defRPr>
-            </a:lvl5pPr>
-            <a:lvl6pPr marL="2514600" indent="-228600" algn="l" defTabSz="914400" rtl="0" eaLnBrk="1" latinLnBrk="0" hangingPunct="1">
-              <a:lnSpc>
-                <a:spcPct val="90000"/>
-              </a:lnSpc>
-              <a:spcBef>
-                <a:spcPts val="500"/>
-              </a:spcBef>
-              <a:buFont typeface="Arial" panose="020B0604020202020204" pitchFamily="34" charset="0"/>
-              <a:buChar char="•"/>
-              <a:defRPr kumimoji="1" sz="1800" kern="1200">
-                <a:solidFill>
-                  <a:schemeClr val="tx1"/>
-                </a:solidFill>
-                <a:latin typeface="+mn-lt"/>
-                <a:ea typeface="+mn-ea"/>
-                <a:cs typeface="+mn-cs"/>
-              </a:defRPr>
-            </a:lvl6pPr>
-            <a:lvl7pPr marL="2971800" indent="-228600" algn="l" defTabSz="914400" rtl="0" eaLnBrk="1" latinLnBrk="0" hangingPunct="1">
-              <a:lnSpc>
-                <a:spcPct val="90000"/>
-              </a:lnSpc>
-              <a:spcBef>
-                <a:spcPts val="500"/>
-              </a:spcBef>
-              <a:buFont typeface="Arial" panose="020B0604020202020204" pitchFamily="34" charset="0"/>
-              <a:buChar char="•"/>
-              <a:defRPr kumimoji="1" sz="1800" kern="1200">
-                <a:solidFill>
-                  <a:schemeClr val="tx1"/>
-                </a:solidFill>
-                <a:latin typeface="+mn-lt"/>
-                <a:ea typeface="+mn-ea"/>
-                <a:cs typeface="+mn-cs"/>
-              </a:defRPr>
-            </a:lvl7pPr>
-            <a:lvl8pPr marL="3429000" indent="-228600" algn="l" defTabSz="914400" rtl="0" eaLnBrk="1" latinLnBrk="0" hangingPunct="1">
-              <a:lnSpc>
-                <a:spcPct val="90000"/>
-              </a:lnSpc>
-              <a:spcBef>
-                <a:spcPts val="500"/>
-              </a:spcBef>
-              <a:buFont typeface="Arial" panose="020B0604020202020204" pitchFamily="34" charset="0"/>
-              <a:buChar char="•"/>
-              <a:defRPr kumimoji="1" sz="1800" kern="1200">
-                <a:solidFill>
-                  <a:schemeClr val="tx1"/>
-                </a:solidFill>
-                <a:latin typeface="+mn-lt"/>
-                <a:ea typeface="+mn-ea"/>
-                <a:cs typeface="+mn-cs"/>
-              </a:defRPr>
-            </a:lvl8pPr>
-            <a:lvl9pPr marL="3886200" indent="-228600" algn="l" defTabSz="914400" rtl="0" eaLnBrk="1" latinLnBrk="0" hangingPunct="1">
-              <a:lnSpc>
-                <a:spcPct val="90000"/>
-              </a:lnSpc>
-              <a:spcBef>
-                <a:spcPts val="500"/>
-              </a:spcBef>
-              <a:buFont typeface="Arial" panose="020B0604020202020204" pitchFamily="34" charset="0"/>
-              <a:buChar char="•"/>
-              <a:defRPr kumimoji="1" sz="1800" kern="1200">
-                <a:solidFill>
-                  <a:schemeClr val="tx1"/>
-                </a:solidFill>
-                <a:latin typeface="+mn-lt"/>
-                <a:ea typeface="+mn-ea"/>
-                <a:cs typeface="+mn-cs"/>
-              </a:defRPr>
-            </a:lvl9pPr>
-          </a:lstStyle>
-          <a:p>
-            <a:r>
-              <a:rPr lang="ja-JP" altLang="en-US" dirty="0"/>
-              <a:t>高速で攻撃を繰り出すプレイヤー</a:t>
-            </a:r>
-          </a:p>
-        </p:txBody>
-      </p:sp>
-      <p:sp>
-        <p:nvSpPr>
-          <p:cNvPr id="10" name="タイトル 1">
-            <a:extLst>
-              <a:ext uri="{FF2B5EF4-FFF2-40B4-BE49-F238E27FC236}">
-                <a16:creationId xmlns:a16="http://schemas.microsoft.com/office/drawing/2014/main" id="{BFB927B6-5FF6-46A8-8AA4-5954E3C78442}"/>
-              </a:ext>
-            </a:extLst>
-          </p:cNvPr>
-          <p:cNvSpPr txBox="1">
-            <a:spLocks/>
-          </p:cNvSpPr>
-          <p:nvPr/>
-        </p:nvSpPr>
-        <p:spPr>
-          <a:xfrm>
-            <a:off x="1330569" y="3817205"/>
-            <a:ext cx="3329354" cy="944929"/>
-          </a:xfrm>
-          <a:prstGeom prst="rect">
-            <a:avLst/>
-          </a:prstGeom>
-        </p:spPr>
-        <p:txBody>
-          <a:bodyPr vert="horz" lIns="91440" tIns="45720" rIns="91440" bIns="45720" rtlCol="0" anchor="ctr">
-            <a:normAutofit/>
-          </a:bodyPr>
-          <a:lstStyle>
-            <a:lvl1pPr algn="l" defTabSz="914400" rtl="0" eaLnBrk="1" latinLnBrk="0" hangingPunct="1">
-              <a:lnSpc>
-                <a:spcPct val="90000"/>
-              </a:lnSpc>
-              <a:spcBef>
-                <a:spcPct val="0"/>
-              </a:spcBef>
-              <a:buNone/>
-              <a:defRPr kumimoji="1" sz="4400" kern="1200">
-                <a:solidFill>
-                  <a:schemeClr val="tx1"/>
-                </a:solidFill>
-                <a:latin typeface="+mj-lt"/>
-                <a:ea typeface="+mj-ea"/>
-                <a:cs typeface="+mj-cs"/>
-              </a:defRPr>
-            </a:lvl1pPr>
-          </a:lstStyle>
-          <a:p>
-            <a:r>
-              <a:rPr lang="ja-JP" altLang="en-US" dirty="0">
-                <a:latin typeface="HGP行書体" panose="03000600000000000000" pitchFamily="66" charset="-128"/>
-                <a:ea typeface="HGP行書体" panose="03000600000000000000" pitchFamily="66" charset="-128"/>
-              </a:rPr>
-              <a:t>派手な演出</a:t>
-            </a:r>
-          </a:p>
-        </p:txBody>
-      </p:sp>
-      <p:sp>
-        <p:nvSpPr>
-          <p:cNvPr id="11" name="コンテンツ プレースホルダー 2">
-            <a:extLst>
-              <a:ext uri="{FF2B5EF4-FFF2-40B4-BE49-F238E27FC236}">
-                <a16:creationId xmlns:a16="http://schemas.microsoft.com/office/drawing/2014/main" id="{15D05E22-D862-48D8-9CA7-DDD2E2C3566F}"/>
-              </a:ext>
-            </a:extLst>
-          </p:cNvPr>
-          <p:cNvSpPr txBox="1">
-            <a:spLocks/>
-          </p:cNvSpPr>
-          <p:nvPr/>
-        </p:nvSpPr>
-        <p:spPr>
-          <a:xfrm>
-            <a:off x="1893277" y="4762134"/>
-            <a:ext cx="8006862" cy="486752"/>
-          </a:xfrm>
-          <a:prstGeom prst="rect">
-            <a:avLst/>
-          </a:prstGeom>
-        </p:spPr>
-        <p:txBody>
-          <a:bodyPr vert="horz" lIns="91440" tIns="45720" rIns="91440" bIns="45720" rtlCol="0">
-            <a:normAutofit/>
-          </a:bodyPr>
-          <a:lstStyle>
-            <a:lvl1pPr marL="228600" indent="-228600" algn="l" defTabSz="914400" rtl="0" eaLnBrk="1" latinLnBrk="0" hangingPunct="1">
-              <a:lnSpc>
-                <a:spcPct val="90000"/>
-              </a:lnSpc>
-              <a:spcBef>
-                <a:spcPts val="1000"/>
-              </a:spcBef>
-              <a:buFont typeface="Arial" panose="020B0604020202020204" pitchFamily="34" charset="0"/>
-              <a:buChar char="•"/>
-              <a:defRPr kumimoji="1" sz="2800" kern="1200">
-                <a:solidFill>
-                  <a:schemeClr val="tx1"/>
-                </a:solidFill>
-                <a:latin typeface="+mn-lt"/>
-                <a:ea typeface="+mn-ea"/>
-                <a:cs typeface="+mn-cs"/>
-              </a:defRPr>
-            </a:lvl1pPr>
-            <a:lvl2pPr marL="685800" indent="-228600" algn="l" defTabSz="914400" rtl="0" eaLnBrk="1" latinLnBrk="0" hangingPunct="1">
-              <a:lnSpc>
-                <a:spcPct val="90000"/>
-              </a:lnSpc>
-              <a:spcBef>
-                <a:spcPts val="500"/>
-              </a:spcBef>
-              <a:buFont typeface="Arial" panose="020B0604020202020204" pitchFamily="34" charset="0"/>
-              <a:buChar char="•"/>
-              <a:defRPr kumimoji="1" sz="2400" kern="1200">
-                <a:solidFill>
-                  <a:schemeClr val="tx1"/>
-                </a:solidFill>
-                <a:latin typeface="+mn-lt"/>
-                <a:ea typeface="+mn-ea"/>
-                <a:cs typeface="+mn-cs"/>
-              </a:defRPr>
-            </a:lvl2pPr>
-            <a:lvl3pPr marL="1143000" indent="-228600" algn="l" defTabSz="914400" rtl="0" eaLnBrk="1" latinLnBrk="0" hangingPunct="1">
-              <a:lnSpc>
-                <a:spcPct val="90000"/>
-              </a:lnSpc>
-              <a:spcBef>
-                <a:spcPts val="500"/>
-              </a:spcBef>
-              <a:buFont typeface="Arial" panose="020B0604020202020204" pitchFamily="34" charset="0"/>
-              <a:buChar char="•"/>
-              <a:defRPr kumimoji="1" sz="2000" kern="1200">
-                <a:solidFill>
-                  <a:schemeClr val="tx1"/>
-                </a:solidFill>
-                <a:latin typeface="+mn-lt"/>
-                <a:ea typeface="+mn-ea"/>
-                <a:cs typeface="+mn-cs"/>
-              </a:defRPr>
-            </a:lvl3pPr>
-            <a:lvl4pPr marL="1600200" indent="-228600" algn="l" defTabSz="914400" rtl="0" eaLnBrk="1" latinLnBrk="0" hangingPunct="1">
-              <a:lnSpc>
-                <a:spcPct val="90000"/>
-              </a:lnSpc>
-              <a:spcBef>
-                <a:spcPts val="500"/>
-              </a:spcBef>
-              <a:buFont typeface="Arial" panose="020B0604020202020204" pitchFamily="34" charset="0"/>
-              <a:buChar char="•"/>
-              <a:defRPr kumimoji="1" sz="1800" kern="1200">
-                <a:solidFill>
-                  <a:schemeClr val="tx1"/>
-                </a:solidFill>
-                <a:latin typeface="+mn-lt"/>
-                <a:ea typeface="+mn-ea"/>
-                <a:cs typeface="+mn-cs"/>
-              </a:defRPr>
-            </a:lvl4pPr>
-            <a:lvl5pPr marL="2057400" indent="-228600" algn="l" defTabSz="914400" rtl="0" eaLnBrk="1" latinLnBrk="0" hangingPunct="1">
-              <a:lnSpc>
-                <a:spcPct val="90000"/>
-              </a:lnSpc>
-              <a:spcBef>
-                <a:spcPts val="500"/>
-              </a:spcBef>
-              <a:buFont typeface="Arial" panose="020B0604020202020204" pitchFamily="34" charset="0"/>
-              <a:buChar char="•"/>
-              <a:defRPr kumimoji="1" sz="1800" kern="1200">
-                <a:solidFill>
-                  <a:schemeClr val="tx1"/>
-                </a:solidFill>
-                <a:latin typeface="+mn-lt"/>
-                <a:ea typeface="+mn-ea"/>
-                <a:cs typeface="+mn-cs"/>
-              </a:defRPr>
-            </a:lvl5pPr>
-            <a:lvl6pPr marL="2514600" indent="-228600" algn="l" defTabSz="914400" rtl="0" eaLnBrk="1" latinLnBrk="0" hangingPunct="1">
-              <a:lnSpc>
-                <a:spcPct val="90000"/>
-              </a:lnSpc>
-              <a:spcBef>
-                <a:spcPts val="500"/>
-              </a:spcBef>
-              <a:buFont typeface="Arial" panose="020B0604020202020204" pitchFamily="34" charset="0"/>
-              <a:buChar char="•"/>
-              <a:defRPr kumimoji="1" sz="1800" kern="1200">
-                <a:solidFill>
-                  <a:schemeClr val="tx1"/>
-                </a:solidFill>
-                <a:latin typeface="+mn-lt"/>
-                <a:ea typeface="+mn-ea"/>
-                <a:cs typeface="+mn-cs"/>
-              </a:defRPr>
-            </a:lvl6pPr>
-            <a:lvl7pPr marL="2971800" indent="-228600" algn="l" defTabSz="914400" rtl="0" eaLnBrk="1" latinLnBrk="0" hangingPunct="1">
-              <a:lnSpc>
-                <a:spcPct val="90000"/>
-              </a:lnSpc>
-              <a:spcBef>
-                <a:spcPts val="500"/>
-              </a:spcBef>
-              <a:buFont typeface="Arial" panose="020B0604020202020204" pitchFamily="34" charset="0"/>
-              <a:buChar char="•"/>
-              <a:defRPr kumimoji="1" sz="1800" kern="1200">
-                <a:solidFill>
-                  <a:schemeClr val="tx1"/>
-                </a:solidFill>
-                <a:latin typeface="+mn-lt"/>
-                <a:ea typeface="+mn-ea"/>
-                <a:cs typeface="+mn-cs"/>
-              </a:defRPr>
-            </a:lvl7pPr>
-            <a:lvl8pPr marL="3429000" indent="-228600" algn="l" defTabSz="914400" rtl="0" eaLnBrk="1" latinLnBrk="0" hangingPunct="1">
-              <a:lnSpc>
-                <a:spcPct val="90000"/>
-              </a:lnSpc>
-              <a:spcBef>
-                <a:spcPts val="500"/>
-              </a:spcBef>
-              <a:buFont typeface="Arial" panose="020B0604020202020204" pitchFamily="34" charset="0"/>
-              <a:buChar char="•"/>
-              <a:defRPr kumimoji="1" sz="1800" kern="1200">
-                <a:solidFill>
-                  <a:schemeClr val="tx1"/>
-                </a:solidFill>
-                <a:latin typeface="+mn-lt"/>
-                <a:ea typeface="+mn-ea"/>
-                <a:cs typeface="+mn-cs"/>
-              </a:defRPr>
-            </a:lvl8pPr>
-            <a:lvl9pPr marL="3886200" indent="-228600" algn="l" defTabSz="914400" rtl="0" eaLnBrk="1" latinLnBrk="0" hangingPunct="1">
-              <a:lnSpc>
-                <a:spcPct val="90000"/>
-              </a:lnSpc>
-              <a:spcBef>
-                <a:spcPts val="500"/>
-              </a:spcBef>
-              <a:buFont typeface="Arial" panose="020B0604020202020204" pitchFamily="34" charset="0"/>
-              <a:buChar char="•"/>
-              <a:defRPr kumimoji="1" sz="1800" kern="1200">
-                <a:solidFill>
-                  <a:schemeClr val="tx1"/>
-                </a:solidFill>
-                <a:latin typeface="+mn-lt"/>
-                <a:ea typeface="+mn-ea"/>
-                <a:cs typeface="+mn-cs"/>
-              </a:defRPr>
-            </a:lvl9pPr>
-          </a:lstStyle>
-          <a:p>
-            <a:r>
-              <a:rPr lang="ja-JP" altLang="en-US" dirty="0"/>
-              <a:t>敵を倒した演出を大きく</a:t>
+          <a:lstStyle/>
+          <a:p>
+            <a:r>
+              <a:rPr kumimoji="1" lang="ja-JP" altLang="en-US" dirty="0"/>
+              <a:t>アクションの爽快感！ゲームのテンポを損なわない！</a:t>
             </a:r>
           </a:p>
         </p:txBody>
@@ -5797,25 +4351,13 @@
     </p:spTree>
     <p:extLst>
       <p:ext uri="{BB962C8B-B14F-4D97-AF65-F5344CB8AC3E}">
-        <p14:creationId xmlns:p14="http://schemas.microsoft.com/office/powerpoint/2010/main" val="2591021017"/>
+        <p14:creationId xmlns:p14="http://schemas.microsoft.com/office/powerpoint/2010/main" val="2978055062"/>
       </p:ext>
     </p:extLst>
   </p:cSld>
   <p:clrMapOvr>
     <a:masterClrMapping/>
   </p:clrMapOvr>
-  <mc:AlternateContent xmlns:mc="http://schemas.openxmlformats.org/markup-compatibility/2006" xmlns:p159="http://schemas.microsoft.com/office/powerpoint/2015/09/main">
-    <mc:Choice Requires="p159">
-      <p:transition xmlns:p14="http://schemas.microsoft.com/office/powerpoint/2010/main" spd="slow" p14:dur="2000">
-        <p159:morph option="byObject"/>
-      </p:transition>
-    </mc:Choice>
-    <mc:Fallback xmlns="">
-      <p:transition spd="slow">
-        <p:fade/>
-      </p:transition>
-    </mc:Fallback>
-  </mc:AlternateContent>
 </p:sld>
 </file>
 
@@ -5838,232 +4380,87 @@
       </p:grpSpPr>
       <p:sp>
         <p:nvSpPr>
-          <p:cNvPr id="2" name="テキスト ボックス 1">
-            <a:extLst>
-              <a:ext uri="{FF2B5EF4-FFF2-40B4-BE49-F238E27FC236}">
-                <a16:creationId xmlns:a16="http://schemas.microsoft.com/office/drawing/2014/main" id="{86C50363-9905-4601-B965-DCDEB9142238}"/>
-              </a:ext>
-            </a:extLst>
-          </p:cNvPr>
-          <p:cNvSpPr txBox="1"/>
-          <p:nvPr/>
-        </p:nvSpPr>
-        <p:spPr>
-          <a:xfrm>
-            <a:off x="404446" y="395654"/>
-            <a:ext cx="8789586" cy="707886"/>
-          </a:xfrm>
-          <a:prstGeom prst="rect">
-            <a:avLst/>
-          </a:prstGeom>
-          <a:noFill/>
-        </p:spPr>
-        <p:txBody>
-          <a:bodyPr wrap="none" rtlCol="0">
-            <a:spAutoFit/>
-          </a:bodyPr>
-          <a:lstStyle/>
-          <a:p>
-            <a:r>
-              <a:rPr kumimoji="1" lang="ja-JP" altLang="en-US" sz="4000" dirty="0"/>
-              <a:t>リメイク</a:t>
-            </a:r>
-            <a:r>
-              <a:rPr kumimoji="1" lang="en-US" altLang="ja-JP" sz="4000" dirty="0"/>
-              <a:t>(</a:t>
-            </a:r>
-            <a:r>
-              <a:rPr kumimoji="1" lang="ja-JP" altLang="en-US" sz="4000" dirty="0"/>
-              <a:t>ブラッシュアップ</a:t>
-            </a:r>
-            <a:r>
-              <a:rPr kumimoji="1" lang="en-US" altLang="ja-JP" sz="4000" dirty="0"/>
-              <a:t>)</a:t>
-            </a:r>
-            <a:r>
-              <a:rPr lang="ja-JP" altLang="en-US" sz="4000" dirty="0"/>
-              <a:t>前</a:t>
-            </a:r>
-            <a:r>
-              <a:rPr kumimoji="1" lang="ja-JP" altLang="en-US" sz="4000" dirty="0"/>
-              <a:t>の反省</a:t>
-            </a:r>
-          </a:p>
-        </p:txBody>
-      </p:sp>
-      <p:sp>
-        <p:nvSpPr>
-          <p:cNvPr id="3" name="テキスト ボックス 2">
-            <a:extLst>
-              <a:ext uri="{FF2B5EF4-FFF2-40B4-BE49-F238E27FC236}">
-                <a16:creationId xmlns:a16="http://schemas.microsoft.com/office/drawing/2014/main" id="{39444221-3BDE-4D99-938D-7BFC091D12A9}"/>
-              </a:ext>
-            </a:extLst>
-          </p:cNvPr>
-          <p:cNvSpPr txBox="1"/>
-          <p:nvPr/>
-        </p:nvSpPr>
-        <p:spPr>
-          <a:xfrm>
-            <a:off x="904583" y="1503248"/>
-            <a:ext cx="4544834" cy="400110"/>
-          </a:xfrm>
-          <a:prstGeom prst="rect">
-            <a:avLst/>
-          </a:prstGeom>
-          <a:noFill/>
-        </p:spPr>
-        <p:txBody>
-          <a:bodyPr wrap="none" rtlCol="0">
-            <a:spAutoFit/>
-          </a:bodyPr>
-          <a:lstStyle/>
-          <a:p>
-            <a:r>
-              <a:rPr lang="ja-JP" altLang="en-US" sz="2000" b="1" u="sng" dirty="0"/>
-              <a:t>集中状態中の視線誘導ができていない</a:t>
-            </a:r>
-            <a:endParaRPr kumimoji="1" lang="ja-JP" altLang="en-US" sz="2000" b="1" u="sng" dirty="0"/>
-          </a:p>
-        </p:txBody>
-      </p:sp>
-      <p:sp>
-        <p:nvSpPr>
-          <p:cNvPr id="4" name="テキスト ボックス 3">
-            <a:extLst>
-              <a:ext uri="{FF2B5EF4-FFF2-40B4-BE49-F238E27FC236}">
-                <a16:creationId xmlns:a16="http://schemas.microsoft.com/office/drawing/2014/main" id="{ABE041A4-326B-4D6F-9EC3-62E282E35726}"/>
-              </a:ext>
-            </a:extLst>
-          </p:cNvPr>
-          <p:cNvSpPr txBox="1"/>
-          <p:nvPr/>
-        </p:nvSpPr>
-        <p:spPr>
-          <a:xfrm>
-            <a:off x="904583" y="2444402"/>
-            <a:ext cx="2236510" cy="400110"/>
-          </a:xfrm>
-          <a:prstGeom prst="rect">
-            <a:avLst/>
-          </a:prstGeom>
-          <a:noFill/>
-        </p:spPr>
-        <p:txBody>
-          <a:bodyPr wrap="none" rtlCol="0">
-            <a:spAutoFit/>
-          </a:bodyPr>
-          <a:lstStyle/>
-          <a:p>
-            <a:r>
-              <a:rPr kumimoji="1" lang="ja-JP" altLang="en-US" sz="2000" b="1" u="sng" dirty="0"/>
-              <a:t>リプレイ性が低い</a:t>
-            </a:r>
-          </a:p>
-        </p:txBody>
-      </p:sp>
-      <p:sp>
-        <p:nvSpPr>
-          <p:cNvPr id="5" name="テキスト ボックス 4">
-            <a:extLst>
-              <a:ext uri="{FF2B5EF4-FFF2-40B4-BE49-F238E27FC236}">
-                <a16:creationId xmlns:a16="http://schemas.microsoft.com/office/drawing/2014/main" id="{D7CDD1D1-853C-4222-B827-39A8953F18E2}"/>
-              </a:ext>
-            </a:extLst>
-          </p:cNvPr>
-          <p:cNvSpPr txBox="1"/>
-          <p:nvPr/>
-        </p:nvSpPr>
-        <p:spPr>
-          <a:xfrm>
-            <a:off x="904583" y="3385556"/>
-            <a:ext cx="4801314" cy="400110"/>
-          </a:xfrm>
-          <a:prstGeom prst="rect">
-            <a:avLst/>
-          </a:prstGeom>
-          <a:noFill/>
-        </p:spPr>
-        <p:txBody>
-          <a:bodyPr wrap="none" rtlCol="0">
-            <a:spAutoFit/>
-          </a:bodyPr>
-          <a:lstStyle/>
-          <a:p>
-            <a:r>
-              <a:rPr kumimoji="1" lang="ja-JP" altLang="en-US" sz="2000" b="1" u="sng" dirty="0"/>
-              <a:t>敵がワンパターン、ボスが分かりにくい</a:t>
-            </a:r>
-          </a:p>
-        </p:txBody>
-      </p:sp>
-      <p:sp>
-        <p:nvSpPr>
-          <p:cNvPr id="6" name="テキスト ボックス 5">
-            <a:extLst>
-              <a:ext uri="{FF2B5EF4-FFF2-40B4-BE49-F238E27FC236}">
-                <a16:creationId xmlns:a16="http://schemas.microsoft.com/office/drawing/2014/main" id="{E353EC30-C3CF-46CB-A310-3FDFC46FCDB1}"/>
-              </a:ext>
-            </a:extLst>
-          </p:cNvPr>
-          <p:cNvSpPr txBox="1"/>
-          <p:nvPr/>
-        </p:nvSpPr>
-        <p:spPr>
-          <a:xfrm>
-            <a:off x="904583" y="5267864"/>
-            <a:ext cx="1723549" cy="400110"/>
-          </a:xfrm>
-          <a:prstGeom prst="rect">
-            <a:avLst/>
-          </a:prstGeom>
-          <a:noFill/>
-        </p:spPr>
-        <p:txBody>
-          <a:bodyPr wrap="none" rtlCol="0">
-            <a:spAutoFit/>
-          </a:bodyPr>
-          <a:lstStyle/>
-          <a:p>
-            <a:r>
-              <a:rPr lang="ja-JP" altLang="en-US" sz="2000" b="1" u="sng" dirty="0"/>
-              <a:t>操作が難しい</a:t>
-            </a:r>
-            <a:endParaRPr kumimoji="1" lang="ja-JP" altLang="en-US" sz="2000" b="1" u="sng" dirty="0"/>
-          </a:p>
-        </p:txBody>
-      </p:sp>
-      <p:sp>
-        <p:nvSpPr>
-          <p:cNvPr id="7" name="テキスト ボックス 6">
-            <a:extLst>
-              <a:ext uri="{FF2B5EF4-FFF2-40B4-BE49-F238E27FC236}">
-                <a16:creationId xmlns:a16="http://schemas.microsoft.com/office/drawing/2014/main" id="{A94E3910-F09E-49F8-8F54-B767E19018D3}"/>
-              </a:ext>
-            </a:extLst>
-          </p:cNvPr>
-          <p:cNvSpPr txBox="1"/>
-          <p:nvPr/>
-        </p:nvSpPr>
-        <p:spPr>
-          <a:xfrm>
-            <a:off x="904583" y="4326710"/>
-            <a:ext cx="6340197" cy="400110"/>
-          </a:xfrm>
-          <a:prstGeom prst="rect">
-            <a:avLst/>
-          </a:prstGeom>
-          <a:noFill/>
-        </p:spPr>
-        <p:txBody>
-          <a:bodyPr wrap="none" rtlCol="0">
-            <a:spAutoFit/>
-          </a:bodyPr>
-          <a:lstStyle/>
-          <a:p>
-            <a:r>
-              <a:rPr kumimoji="1" lang="ja-JP" altLang="en-US" sz="2000" b="1" u="sng" dirty="0"/>
-              <a:t>チュートリアルがチュートリアルの仕事をしていない</a:t>
+          <p:cNvPr id="2" name="タイトル 1">
+            <a:extLst>
+              <a:ext uri="{FF2B5EF4-FFF2-40B4-BE49-F238E27FC236}">
+                <a16:creationId xmlns:a16="http://schemas.microsoft.com/office/drawing/2014/main" id="{2F8AA2A0-2B0E-40B5-A7D7-15B3F65CCC47}"/>
+              </a:ext>
+            </a:extLst>
+          </p:cNvPr>
+          <p:cNvSpPr>
+            <a:spLocks noGrp="1"/>
+          </p:cNvSpPr>
+          <p:nvPr>
+            <p:ph type="title"/>
+          </p:nvPr>
+        </p:nvSpPr>
+        <p:spPr/>
+        <p:txBody>
+          <a:bodyPr/>
+          <a:lstStyle/>
+          <a:p>
+            <a:r>
+              <a:rPr kumimoji="1" lang="ja-JP" altLang="en-US" dirty="0">
+                <a:latin typeface="HGP行書体" panose="03000600000000000000" pitchFamily="66" charset="-128"/>
+                <a:ea typeface="HGP行書体" panose="03000600000000000000" pitchFamily="66" charset="-128"/>
+              </a:rPr>
+              <a:t>ボスを入れるぞ～～～！！！！</a:t>
+            </a:r>
+          </a:p>
+        </p:txBody>
+      </p:sp>
+      <p:sp>
+        <p:nvSpPr>
+          <p:cNvPr id="3" name="コンテンツ プレースホルダー 2">
+            <a:extLst>
+              <a:ext uri="{FF2B5EF4-FFF2-40B4-BE49-F238E27FC236}">
+                <a16:creationId xmlns:a16="http://schemas.microsoft.com/office/drawing/2014/main" id="{8F8AE059-3EDF-41DB-A1D3-B6BFEF263E03}"/>
+              </a:ext>
+            </a:extLst>
+          </p:cNvPr>
+          <p:cNvSpPr>
+            <a:spLocks noGrp="1"/>
+          </p:cNvSpPr>
+          <p:nvPr>
+            <p:ph idx="1"/>
+          </p:nvPr>
+        </p:nvSpPr>
+        <p:spPr/>
+        <p:txBody>
+          <a:bodyPr/>
+          <a:lstStyle/>
+          <a:p>
+            <a:r>
+              <a:rPr kumimoji="1" lang="ja-JP" altLang="en-US" dirty="0"/>
+              <a:t>部位破壊？？</a:t>
+            </a:r>
+            <a:endParaRPr kumimoji="1" lang="en-US" altLang="ja-JP" dirty="0"/>
+          </a:p>
+          <a:p>
+            <a:r>
+              <a:rPr lang="en-US" altLang="ja-JP" dirty="0"/>
+              <a:t>HP</a:t>
+            </a:r>
+            <a:r>
+              <a:rPr lang="ja-JP" altLang="en-US" dirty="0"/>
+              <a:t>制？？</a:t>
+            </a:r>
+            <a:endParaRPr lang="en-US" altLang="ja-JP" dirty="0"/>
+          </a:p>
+          <a:p>
+            <a:r>
+              <a:rPr kumimoji="1" lang="ja-JP" altLang="en-US" dirty="0"/>
+              <a:t>弱点露出系？？</a:t>
+            </a:r>
+            <a:endParaRPr kumimoji="1" lang="en-US" altLang="ja-JP" dirty="0"/>
+          </a:p>
+          <a:p>
+            <a:endParaRPr lang="en-US" altLang="ja-JP" dirty="0"/>
+          </a:p>
+          <a:p>
+            <a:r>
+              <a:rPr kumimoji="1" lang="ja-JP" altLang="en-US" dirty="0"/>
+              <a:t>気持ちよく倒せる奴がいいな～～～！！！！！</a:t>
             </a:r>
           </a:p>
         </p:txBody>
@@ -6071,642 +4468,7 @@
     </p:spTree>
     <p:extLst>
       <p:ext uri="{BB962C8B-B14F-4D97-AF65-F5344CB8AC3E}">
-        <p14:creationId xmlns:p14="http://schemas.microsoft.com/office/powerpoint/2010/main" val="1946685150"/>
-      </p:ext>
-    </p:extLst>
-  </p:cSld>
-  <p:clrMapOvr>
-    <a:masterClrMapping/>
-  </p:clrMapOvr>
-  <mc:AlternateContent xmlns:mc="http://schemas.openxmlformats.org/markup-compatibility/2006" xmlns:p159="http://schemas.microsoft.com/office/powerpoint/2015/09/main">
-    <mc:Choice Requires="p159">
-      <p:transition xmlns:p14="http://schemas.microsoft.com/office/powerpoint/2010/main" spd="slow" p14:dur="2000">
-        <p159:morph option="byObject"/>
-      </p:transition>
-    </mc:Choice>
-    <mc:Fallback xmlns="">
-      <p:transition spd="slow">
-        <p:fade/>
-      </p:transition>
-    </mc:Fallback>
-  </mc:AlternateContent>
-</p:sld>
-</file>
-
-<file path=ppt/slides/slide6.xml><?xml version="1.0" encoding="utf-8"?>
-<p:sld xmlns:a="http://schemas.openxmlformats.org/drawingml/2006/main" xmlns:r="http://schemas.openxmlformats.org/officeDocument/2006/relationships" xmlns:p="http://schemas.openxmlformats.org/presentationml/2006/main">
-  <p:cSld>
-    <p:spTree>
-      <p:nvGrpSpPr>
-        <p:cNvPr id="1" name=""/>
-        <p:cNvGrpSpPr/>
-        <p:nvPr/>
-      </p:nvGrpSpPr>
-      <p:grpSpPr>
-        <a:xfrm>
-          <a:off x="0" y="0"/>
-          <a:ext cx="0" cy="0"/>
-          <a:chOff x="0" y="0"/>
-          <a:chExt cx="0" cy="0"/>
-        </a:xfrm>
-      </p:grpSpPr>
-      <p:sp>
-        <p:nvSpPr>
-          <p:cNvPr id="2" name="テキスト ボックス 1">
-            <a:extLst>
-              <a:ext uri="{FF2B5EF4-FFF2-40B4-BE49-F238E27FC236}">
-                <a16:creationId xmlns:a16="http://schemas.microsoft.com/office/drawing/2014/main" id="{86C50363-9905-4601-B965-DCDEB9142238}"/>
-              </a:ext>
-            </a:extLst>
-          </p:cNvPr>
-          <p:cNvSpPr txBox="1"/>
-          <p:nvPr/>
-        </p:nvSpPr>
-        <p:spPr>
-          <a:xfrm>
-            <a:off x="404446" y="395654"/>
-            <a:ext cx="8789586" cy="707886"/>
-          </a:xfrm>
-          <a:prstGeom prst="rect">
-            <a:avLst/>
-          </a:prstGeom>
-          <a:noFill/>
-        </p:spPr>
-        <p:txBody>
-          <a:bodyPr wrap="none" rtlCol="0">
-            <a:spAutoFit/>
-          </a:bodyPr>
-          <a:lstStyle/>
-          <a:p>
-            <a:r>
-              <a:rPr kumimoji="1" lang="ja-JP" altLang="en-US" sz="4000" dirty="0"/>
-              <a:t>リメイク</a:t>
-            </a:r>
-            <a:r>
-              <a:rPr kumimoji="1" lang="en-US" altLang="ja-JP" sz="4000" dirty="0"/>
-              <a:t>(</a:t>
-            </a:r>
-            <a:r>
-              <a:rPr kumimoji="1" lang="ja-JP" altLang="en-US" sz="4000" dirty="0"/>
-              <a:t>ブラッシュアップ</a:t>
-            </a:r>
-            <a:r>
-              <a:rPr kumimoji="1" lang="en-US" altLang="ja-JP" sz="4000" dirty="0"/>
-              <a:t>)</a:t>
-            </a:r>
-            <a:r>
-              <a:rPr kumimoji="1" lang="ja-JP" altLang="en-US" sz="4000" dirty="0"/>
-              <a:t>後の目標</a:t>
-            </a:r>
-          </a:p>
-        </p:txBody>
-      </p:sp>
-      <p:sp>
-        <p:nvSpPr>
-          <p:cNvPr id="3" name="テキスト ボックス 2">
-            <a:extLst>
-              <a:ext uri="{FF2B5EF4-FFF2-40B4-BE49-F238E27FC236}">
-                <a16:creationId xmlns:a16="http://schemas.microsoft.com/office/drawing/2014/main" id="{39444221-3BDE-4D99-938D-7BFC091D12A9}"/>
-              </a:ext>
-            </a:extLst>
-          </p:cNvPr>
-          <p:cNvSpPr txBox="1"/>
-          <p:nvPr/>
-        </p:nvSpPr>
-        <p:spPr>
-          <a:xfrm>
-            <a:off x="904583" y="1503248"/>
-            <a:ext cx="4544834" cy="400110"/>
-          </a:xfrm>
-          <a:prstGeom prst="rect">
-            <a:avLst/>
-          </a:prstGeom>
-          <a:noFill/>
-        </p:spPr>
-        <p:txBody>
-          <a:bodyPr wrap="none" rtlCol="0">
-            <a:spAutoFit/>
-          </a:bodyPr>
-          <a:lstStyle/>
-          <a:p>
-            <a:r>
-              <a:rPr lang="ja-JP" altLang="en-US" sz="2000" b="1" u="sng" dirty="0"/>
-              <a:t>集中状態中の視線誘導ができていない</a:t>
-            </a:r>
-            <a:endParaRPr kumimoji="1" lang="ja-JP" altLang="en-US" sz="2000" b="1" u="sng" dirty="0"/>
-          </a:p>
-        </p:txBody>
-      </p:sp>
-      <p:sp>
-        <p:nvSpPr>
-          <p:cNvPr id="4" name="テキスト ボックス 3">
-            <a:extLst>
-              <a:ext uri="{FF2B5EF4-FFF2-40B4-BE49-F238E27FC236}">
-                <a16:creationId xmlns:a16="http://schemas.microsoft.com/office/drawing/2014/main" id="{ABE041A4-326B-4D6F-9EC3-62E282E35726}"/>
-              </a:ext>
-            </a:extLst>
-          </p:cNvPr>
-          <p:cNvSpPr txBox="1"/>
-          <p:nvPr/>
-        </p:nvSpPr>
-        <p:spPr>
-          <a:xfrm>
-            <a:off x="904583" y="2444402"/>
-            <a:ext cx="2236510" cy="400110"/>
-          </a:xfrm>
-          <a:prstGeom prst="rect">
-            <a:avLst/>
-          </a:prstGeom>
-          <a:noFill/>
-        </p:spPr>
-        <p:txBody>
-          <a:bodyPr wrap="none" rtlCol="0">
-            <a:spAutoFit/>
-          </a:bodyPr>
-          <a:lstStyle/>
-          <a:p>
-            <a:r>
-              <a:rPr kumimoji="1" lang="ja-JP" altLang="en-US" sz="2000" b="1" u="sng" dirty="0"/>
-              <a:t>リプレイ性が低い</a:t>
-            </a:r>
-          </a:p>
-        </p:txBody>
-      </p:sp>
-      <p:sp>
-        <p:nvSpPr>
-          <p:cNvPr id="5" name="テキスト ボックス 4">
-            <a:extLst>
-              <a:ext uri="{FF2B5EF4-FFF2-40B4-BE49-F238E27FC236}">
-                <a16:creationId xmlns:a16="http://schemas.microsoft.com/office/drawing/2014/main" id="{D7CDD1D1-853C-4222-B827-39A8953F18E2}"/>
-              </a:ext>
-            </a:extLst>
-          </p:cNvPr>
-          <p:cNvSpPr txBox="1"/>
-          <p:nvPr/>
-        </p:nvSpPr>
-        <p:spPr>
-          <a:xfrm>
-            <a:off x="904583" y="3385556"/>
-            <a:ext cx="4801314" cy="400110"/>
-          </a:xfrm>
-          <a:prstGeom prst="rect">
-            <a:avLst/>
-          </a:prstGeom>
-          <a:noFill/>
-        </p:spPr>
-        <p:txBody>
-          <a:bodyPr wrap="none" rtlCol="0">
-            <a:spAutoFit/>
-          </a:bodyPr>
-          <a:lstStyle/>
-          <a:p>
-            <a:r>
-              <a:rPr kumimoji="1" lang="ja-JP" altLang="en-US" sz="2000" b="1" u="sng" dirty="0"/>
-              <a:t>敵がワンパターン、ボスが分かりにくい</a:t>
-            </a:r>
-          </a:p>
-        </p:txBody>
-      </p:sp>
-      <p:sp>
-        <p:nvSpPr>
-          <p:cNvPr id="6" name="テキスト ボックス 5">
-            <a:extLst>
-              <a:ext uri="{FF2B5EF4-FFF2-40B4-BE49-F238E27FC236}">
-                <a16:creationId xmlns:a16="http://schemas.microsoft.com/office/drawing/2014/main" id="{E353EC30-C3CF-46CB-A310-3FDFC46FCDB1}"/>
-              </a:ext>
-            </a:extLst>
-          </p:cNvPr>
-          <p:cNvSpPr txBox="1"/>
-          <p:nvPr/>
-        </p:nvSpPr>
-        <p:spPr>
-          <a:xfrm>
-            <a:off x="904583" y="5267864"/>
-            <a:ext cx="1723549" cy="400110"/>
-          </a:xfrm>
-          <a:prstGeom prst="rect">
-            <a:avLst/>
-          </a:prstGeom>
-          <a:noFill/>
-        </p:spPr>
-        <p:txBody>
-          <a:bodyPr wrap="none" rtlCol="0">
-            <a:spAutoFit/>
-          </a:bodyPr>
-          <a:lstStyle/>
-          <a:p>
-            <a:r>
-              <a:rPr lang="ja-JP" altLang="en-US" sz="2000" b="1" u="sng" dirty="0"/>
-              <a:t>操作が難しい</a:t>
-            </a:r>
-            <a:endParaRPr kumimoji="1" lang="ja-JP" altLang="en-US" sz="2000" b="1" u="sng" dirty="0"/>
-          </a:p>
-        </p:txBody>
-      </p:sp>
-      <p:sp>
-        <p:nvSpPr>
-          <p:cNvPr id="7" name="テキスト ボックス 6">
-            <a:extLst>
-              <a:ext uri="{FF2B5EF4-FFF2-40B4-BE49-F238E27FC236}">
-                <a16:creationId xmlns:a16="http://schemas.microsoft.com/office/drawing/2014/main" id="{A94E3910-F09E-49F8-8F54-B767E19018D3}"/>
-              </a:ext>
-            </a:extLst>
-          </p:cNvPr>
-          <p:cNvSpPr txBox="1"/>
-          <p:nvPr/>
-        </p:nvSpPr>
-        <p:spPr>
-          <a:xfrm>
-            <a:off x="904583" y="4326710"/>
-            <a:ext cx="6340197" cy="400110"/>
-          </a:xfrm>
-          <a:prstGeom prst="rect">
-            <a:avLst/>
-          </a:prstGeom>
-          <a:noFill/>
-        </p:spPr>
-        <p:txBody>
-          <a:bodyPr wrap="none" rtlCol="0">
-            <a:spAutoFit/>
-          </a:bodyPr>
-          <a:lstStyle/>
-          <a:p>
-            <a:r>
-              <a:rPr kumimoji="1" lang="ja-JP" altLang="en-US" sz="2000" b="1" u="sng" dirty="0"/>
-              <a:t>チュートリアルがチュートリアルの仕事をしていない</a:t>
-            </a:r>
-          </a:p>
-        </p:txBody>
-      </p:sp>
-      <p:sp>
-        <p:nvSpPr>
-          <p:cNvPr id="9" name="テキスト ボックス 8">
-            <a:extLst>
-              <a:ext uri="{FF2B5EF4-FFF2-40B4-BE49-F238E27FC236}">
-                <a16:creationId xmlns:a16="http://schemas.microsoft.com/office/drawing/2014/main" id="{AD9E8FFB-D690-418F-8F20-2465108E8076}"/>
-              </a:ext>
-            </a:extLst>
-          </p:cNvPr>
-          <p:cNvSpPr txBox="1"/>
-          <p:nvPr/>
-        </p:nvSpPr>
-        <p:spPr>
-          <a:xfrm>
-            <a:off x="1689413" y="1973825"/>
-            <a:ext cx="4339650" cy="369332"/>
-          </a:xfrm>
-          <a:prstGeom prst="rect">
-            <a:avLst/>
-          </a:prstGeom>
-          <a:noFill/>
-        </p:spPr>
-        <p:txBody>
-          <a:bodyPr wrap="none" rtlCol="0">
-            <a:spAutoFit/>
-          </a:bodyPr>
-          <a:lstStyle/>
-          <a:p>
-            <a:r>
-              <a:rPr lang="ja-JP" altLang="en-US" dirty="0"/>
-              <a:t>→世界を暗くする、敵の強調表示を追加</a:t>
-            </a:r>
-            <a:endParaRPr kumimoji="1" lang="ja-JP" altLang="en-US" dirty="0"/>
-          </a:p>
-        </p:txBody>
-      </p:sp>
-      <p:sp>
-        <p:nvSpPr>
-          <p:cNvPr id="10" name="テキスト ボックス 9">
-            <a:extLst>
-              <a:ext uri="{FF2B5EF4-FFF2-40B4-BE49-F238E27FC236}">
-                <a16:creationId xmlns:a16="http://schemas.microsoft.com/office/drawing/2014/main" id="{547C0A27-D4AE-46F1-9F54-204019F308DC}"/>
-              </a:ext>
-            </a:extLst>
-          </p:cNvPr>
-          <p:cNvSpPr txBox="1"/>
-          <p:nvPr/>
-        </p:nvSpPr>
-        <p:spPr>
-          <a:xfrm>
-            <a:off x="1689413" y="2914979"/>
-            <a:ext cx="6878806" cy="369332"/>
-          </a:xfrm>
-          <a:prstGeom prst="rect">
-            <a:avLst/>
-          </a:prstGeom>
-          <a:noFill/>
-        </p:spPr>
-        <p:txBody>
-          <a:bodyPr wrap="none" rtlCol="0">
-            <a:spAutoFit/>
-          </a:bodyPr>
-          <a:lstStyle/>
-          <a:p>
-            <a:r>
-              <a:rPr lang="ja-JP" altLang="en-US" dirty="0"/>
-              <a:t>→コンボシステムなど「成功」をユーザーに伝える演出の追加</a:t>
-            </a:r>
-            <a:endParaRPr kumimoji="1" lang="ja-JP" altLang="en-US" dirty="0"/>
-          </a:p>
-        </p:txBody>
-      </p:sp>
-      <p:sp>
-        <p:nvSpPr>
-          <p:cNvPr id="11" name="テキスト ボックス 10">
-            <a:extLst>
-              <a:ext uri="{FF2B5EF4-FFF2-40B4-BE49-F238E27FC236}">
-                <a16:creationId xmlns:a16="http://schemas.microsoft.com/office/drawing/2014/main" id="{EDD3BEDC-5959-430F-932D-86F7B775C9E0}"/>
-              </a:ext>
-            </a:extLst>
-          </p:cNvPr>
-          <p:cNvSpPr txBox="1"/>
-          <p:nvPr/>
-        </p:nvSpPr>
-        <p:spPr>
-          <a:xfrm>
-            <a:off x="1689413" y="3856133"/>
-            <a:ext cx="7409401" cy="369332"/>
-          </a:xfrm>
-          <a:prstGeom prst="rect">
-            <a:avLst/>
-          </a:prstGeom>
-          <a:noFill/>
-        </p:spPr>
-        <p:txBody>
-          <a:bodyPr wrap="none" rtlCol="0">
-            <a:spAutoFit/>
-          </a:bodyPr>
-          <a:lstStyle/>
-          <a:p>
-            <a:r>
-              <a:rPr lang="ja-JP" altLang="en-US" dirty="0"/>
-              <a:t>→</a:t>
-            </a:r>
-            <a:r>
-              <a:rPr lang="en-US" altLang="ja-JP" dirty="0"/>
-              <a:t>3D</a:t>
-            </a:r>
-            <a:r>
-              <a:rPr lang="ja-JP" altLang="en-US" dirty="0"/>
-              <a:t>モデルの敵を作成する、特殊な処理を組み込んだボスを実装する</a:t>
-            </a:r>
-            <a:endParaRPr kumimoji="1" lang="ja-JP" altLang="en-US" dirty="0"/>
-          </a:p>
-        </p:txBody>
-      </p:sp>
-      <p:sp>
-        <p:nvSpPr>
-          <p:cNvPr id="12" name="テキスト ボックス 11">
-            <a:extLst>
-              <a:ext uri="{FF2B5EF4-FFF2-40B4-BE49-F238E27FC236}">
-                <a16:creationId xmlns:a16="http://schemas.microsoft.com/office/drawing/2014/main" id="{FAEBFB4A-04E0-4DD5-B0D3-3EAA2E75A551}"/>
-              </a:ext>
-            </a:extLst>
-          </p:cNvPr>
-          <p:cNvSpPr txBox="1"/>
-          <p:nvPr/>
-        </p:nvSpPr>
-        <p:spPr>
-          <a:xfrm>
-            <a:off x="1689412" y="4797287"/>
-            <a:ext cx="8956298" cy="369332"/>
-          </a:xfrm>
-          <a:prstGeom prst="rect">
-            <a:avLst/>
-          </a:prstGeom>
-          <a:noFill/>
-        </p:spPr>
-        <p:txBody>
-          <a:bodyPr wrap="none" rtlCol="0">
-            <a:spAutoFit/>
-          </a:bodyPr>
-          <a:lstStyle/>
-          <a:p>
-            <a:r>
-              <a:rPr lang="ja-JP" altLang="en-US" dirty="0"/>
-              <a:t>→殴り放題のサンドバッグを用意する、もしくはチュートリアル中の進行不可を実装</a:t>
-            </a:r>
-            <a:endParaRPr kumimoji="1" lang="ja-JP" altLang="en-US" dirty="0"/>
-          </a:p>
-        </p:txBody>
-      </p:sp>
-      <p:sp>
-        <p:nvSpPr>
-          <p:cNvPr id="13" name="テキスト ボックス 12">
-            <a:extLst>
-              <a:ext uri="{FF2B5EF4-FFF2-40B4-BE49-F238E27FC236}">
-                <a16:creationId xmlns:a16="http://schemas.microsoft.com/office/drawing/2014/main" id="{AEA8B70F-D22B-4B9F-8875-94063C22A2B6}"/>
-              </a:ext>
-            </a:extLst>
-          </p:cNvPr>
-          <p:cNvSpPr txBox="1"/>
-          <p:nvPr/>
-        </p:nvSpPr>
-        <p:spPr>
-          <a:xfrm>
-            <a:off x="1689412" y="5738441"/>
-            <a:ext cx="6880410" cy="369332"/>
-          </a:xfrm>
-          <a:prstGeom prst="rect">
-            <a:avLst/>
-          </a:prstGeom>
-          <a:noFill/>
-        </p:spPr>
-        <p:txBody>
-          <a:bodyPr wrap="none" rtlCol="0">
-            <a:spAutoFit/>
-          </a:bodyPr>
-          <a:lstStyle/>
-          <a:p>
-            <a:r>
-              <a:rPr lang="ja-JP" altLang="en-US" dirty="0"/>
-              <a:t>→キー配置の見直しとキーマウ対応 </a:t>
-            </a:r>
-            <a:r>
-              <a:rPr lang="en-US" altLang="ja-JP" dirty="0"/>
-              <a:t>+ </a:t>
-            </a:r>
-            <a:r>
-              <a:rPr lang="ja-JP" altLang="en-US" dirty="0"/>
-              <a:t>チュートリアル改善で対応</a:t>
-            </a:r>
-            <a:endParaRPr kumimoji="1" lang="ja-JP" altLang="en-US" dirty="0"/>
-          </a:p>
-        </p:txBody>
-      </p:sp>
-    </p:spTree>
-    <p:extLst>
-      <p:ext uri="{BB962C8B-B14F-4D97-AF65-F5344CB8AC3E}">
-        <p14:creationId xmlns:p14="http://schemas.microsoft.com/office/powerpoint/2010/main" val="4213273085"/>
-      </p:ext>
-    </p:extLst>
-  </p:cSld>
-  <p:clrMapOvr>
-    <a:masterClrMapping/>
-  </p:clrMapOvr>
-  <mc:AlternateContent xmlns:mc="http://schemas.openxmlformats.org/markup-compatibility/2006" xmlns:p159="http://schemas.microsoft.com/office/powerpoint/2015/09/main">
-    <mc:Choice Requires="p159">
-      <p:transition xmlns:p14="http://schemas.microsoft.com/office/powerpoint/2010/main" spd="slow" p14:dur="2000">
-        <p159:morph option="byObject"/>
-      </p:transition>
-    </mc:Choice>
-    <mc:Fallback xmlns="">
-      <p:transition spd="slow">
-        <p:fade/>
-      </p:transition>
-    </mc:Fallback>
-  </mc:AlternateContent>
-</p:sld>
-</file>
-
-<file path=ppt/slides/slide7.xml><?xml version="1.0" encoding="utf-8"?>
-<p:sld xmlns:a="http://schemas.openxmlformats.org/drawingml/2006/main" xmlns:r="http://schemas.openxmlformats.org/officeDocument/2006/relationships" xmlns:p="http://schemas.openxmlformats.org/presentationml/2006/main">
-  <p:cSld>
-    <p:spTree>
-      <p:nvGrpSpPr>
-        <p:cNvPr id="1" name=""/>
-        <p:cNvGrpSpPr/>
-        <p:nvPr/>
-      </p:nvGrpSpPr>
-      <p:grpSpPr>
-        <a:xfrm>
-          <a:off x="0" y="0"/>
-          <a:ext cx="0" cy="0"/>
-          <a:chOff x="0" y="0"/>
-          <a:chExt cx="0" cy="0"/>
-        </a:xfrm>
-      </p:grpSpPr>
-      <p:sp>
-        <p:nvSpPr>
-          <p:cNvPr id="2" name="タイトル 1">
-            <a:extLst>
-              <a:ext uri="{FF2B5EF4-FFF2-40B4-BE49-F238E27FC236}">
-                <a16:creationId xmlns:a16="http://schemas.microsoft.com/office/drawing/2014/main" id="{59F72F62-9C96-4F41-BC42-D8A2EBEAF86D}"/>
-              </a:ext>
-            </a:extLst>
-          </p:cNvPr>
-          <p:cNvSpPr>
-            <a:spLocks noGrp="1"/>
-          </p:cNvSpPr>
-          <p:nvPr>
-            <p:ph type="title"/>
-          </p:nvPr>
-        </p:nvSpPr>
-        <p:spPr/>
-        <p:txBody>
-          <a:bodyPr/>
-          <a:lstStyle/>
-          <a:p>
-            <a:r>
-              <a:rPr kumimoji="1" lang="ja-JP" altLang="en-US" dirty="0"/>
-              <a:t>余談</a:t>
-            </a:r>
-          </a:p>
-        </p:txBody>
-      </p:sp>
-      <p:sp>
-        <p:nvSpPr>
-          <p:cNvPr id="4" name="テキスト ボックス 3">
-            <a:extLst>
-              <a:ext uri="{FF2B5EF4-FFF2-40B4-BE49-F238E27FC236}">
-                <a16:creationId xmlns:a16="http://schemas.microsoft.com/office/drawing/2014/main" id="{BEFD32B5-A76D-42EA-8F1B-B6861D415D41}"/>
-              </a:ext>
-            </a:extLst>
-          </p:cNvPr>
-          <p:cNvSpPr txBox="1"/>
-          <p:nvPr/>
-        </p:nvSpPr>
-        <p:spPr>
-          <a:xfrm>
-            <a:off x="838200" y="1690688"/>
-            <a:ext cx="7930376" cy="369332"/>
-          </a:xfrm>
-          <a:prstGeom prst="rect">
-            <a:avLst/>
-          </a:prstGeom>
-          <a:noFill/>
-        </p:spPr>
-        <p:txBody>
-          <a:bodyPr wrap="none" rtlCol="0">
-            <a:spAutoFit/>
-          </a:bodyPr>
-          <a:lstStyle/>
-          <a:p>
-            <a:r>
-              <a:rPr lang="en-US" altLang="ja-JP" dirty="0"/>
-              <a:t>XY</a:t>
-            </a:r>
-            <a:r>
-              <a:rPr lang="ja-JP" altLang="en-US" dirty="0"/>
-              <a:t>平面じゃなくて</a:t>
-            </a:r>
-            <a:r>
-              <a:rPr lang="en-US" altLang="ja-JP" dirty="0"/>
-              <a:t>XZ</a:t>
-            </a:r>
-            <a:r>
-              <a:rPr lang="ja-JP" altLang="en-US" dirty="0"/>
-              <a:t>平面を中心にしてアクションしたらかっこよく</a:t>
-            </a:r>
-            <a:r>
-              <a:rPr lang="ja-JP" altLang="en-US" dirty="0" err="1"/>
-              <a:t>ね</a:t>
-            </a:r>
-            <a:r>
-              <a:rPr lang="ja-JP" altLang="en-US" dirty="0"/>
-              <a:t>？？</a:t>
-            </a:r>
-            <a:endParaRPr kumimoji="1" lang="ja-JP" altLang="en-US" dirty="0"/>
-          </a:p>
-        </p:txBody>
-      </p:sp>
-      <p:sp>
-        <p:nvSpPr>
-          <p:cNvPr id="5" name="テキスト ボックス 4">
-            <a:extLst>
-              <a:ext uri="{FF2B5EF4-FFF2-40B4-BE49-F238E27FC236}">
-                <a16:creationId xmlns:a16="http://schemas.microsoft.com/office/drawing/2014/main" id="{3380A23B-90BD-4D86-A331-FFAE93EAD973}"/>
-              </a:ext>
-            </a:extLst>
-          </p:cNvPr>
-          <p:cNvSpPr txBox="1"/>
-          <p:nvPr/>
-        </p:nvSpPr>
-        <p:spPr>
-          <a:xfrm>
-            <a:off x="3666392" y="4246685"/>
-            <a:ext cx="5724644" cy="369332"/>
-          </a:xfrm>
-          <a:prstGeom prst="rect">
-            <a:avLst/>
-          </a:prstGeom>
-          <a:noFill/>
-        </p:spPr>
-        <p:txBody>
-          <a:bodyPr wrap="none" rtlCol="0">
-            <a:spAutoFit/>
-          </a:bodyPr>
-          <a:lstStyle/>
-          <a:p>
-            <a:r>
-              <a:rPr kumimoji="1" lang="ja-JP" altLang="en-US" dirty="0"/>
-              <a:t>敵を囲んでまとめて撃破とか派手になりそうじゃ</a:t>
-            </a:r>
-            <a:r>
-              <a:rPr kumimoji="1" lang="ja-JP" altLang="en-US" dirty="0" err="1"/>
-              <a:t>ね</a:t>
-            </a:r>
-            <a:r>
-              <a:rPr kumimoji="1" lang="ja-JP" altLang="en-US" dirty="0"/>
-              <a:t>？</a:t>
-            </a:r>
-          </a:p>
-        </p:txBody>
-      </p:sp>
-    </p:spTree>
-    <p:extLst>
-      <p:ext uri="{BB962C8B-B14F-4D97-AF65-F5344CB8AC3E}">
-        <p14:creationId xmlns:p14="http://schemas.microsoft.com/office/powerpoint/2010/main" val="27470099"/>
+        <p14:creationId xmlns:p14="http://schemas.microsoft.com/office/powerpoint/2010/main" val="1049902173"/>
       </p:ext>
     </p:extLst>
   </p:cSld>
